--- a/新竹市社會處 PIPELINE(New).pptx
+++ b/新竹市社會處 PIPELINE(New).pptx
@@ -5,27 +5,24 @@
     <p:sldMasterId id="2147483648" r:id="rId1"/>
   </p:sldMasterIdLst>
   <p:notesMasterIdLst>
-    <p:notesMasterId r:id="rId20"/>
+    <p:notesMasterId r:id="rId17"/>
   </p:notesMasterIdLst>
   <p:sldIdLst>
     <p:sldId id="256" r:id="rId2"/>
-    <p:sldId id="258" r:id="rId3"/>
-    <p:sldId id="278" r:id="rId4"/>
+    <p:sldId id="278" r:id="rId3"/>
+    <p:sldId id="282" r:id="rId4"/>
     <p:sldId id="281" r:id="rId5"/>
     <p:sldId id="270" r:id="rId6"/>
     <p:sldId id="259" r:id="rId7"/>
-    <p:sldId id="272" r:id="rId8"/>
-    <p:sldId id="268" r:id="rId9"/>
-    <p:sldId id="262" r:id="rId10"/>
-    <p:sldId id="273" r:id="rId11"/>
-    <p:sldId id="261" r:id="rId12"/>
-    <p:sldId id="266" r:id="rId13"/>
-    <p:sldId id="275" r:id="rId14"/>
-    <p:sldId id="279" r:id="rId15"/>
-    <p:sldId id="276" r:id="rId16"/>
-    <p:sldId id="267" r:id="rId17"/>
-    <p:sldId id="274" r:id="rId18"/>
-    <p:sldId id="260" r:id="rId19"/>
+    <p:sldId id="268" r:id="rId8"/>
+    <p:sldId id="262" r:id="rId9"/>
+    <p:sldId id="273" r:id="rId10"/>
+    <p:sldId id="261" r:id="rId11"/>
+    <p:sldId id="266" r:id="rId12"/>
+    <p:sldId id="275" r:id="rId13"/>
+    <p:sldId id="276" r:id="rId14"/>
+    <p:sldId id="274" r:id="rId15"/>
+    <p:sldId id="267" r:id="rId16"/>
   </p:sldIdLst>
   <p:sldSz cx="9144000" cy="5143500" type="screen16x9"/>
   <p:notesSz cx="6858000" cy="9144000"/>
@@ -126,7 +123,7 @@
   </p:defaultTextStyle>
   <p:extLst>
     <p:ext uri="{EFAFB233-063F-42B5-8137-9DF3F51BA10A}">
-      <p15:sldGuideLst xmlns:p15="http://schemas.microsoft.com/office/powerpoint/2012/main" xmlns="">
+      <p15:sldGuideLst xmlns:p15="http://schemas.microsoft.com/office/powerpoint/2012/main">
         <p15:guide id="1" orient="horz" pos="1620">
           <p15:clr>
             <a:srgbClr val="A4A3A4"/>
@@ -539,15 +536,11 @@
           <a:p>
             <a:r>
               <a:rPr lang="en-US" altLang="zh-TW" dirty="0" smtClean="0"/>
-              <a:t>A~L</a:t>
+              <a:t>30</a:t>
             </a:r>
             <a:r>
               <a:rPr lang="zh-TW" altLang="en-US" dirty="0" smtClean="0"/>
-              <a:t>分別類別是什麼</a:t>
-            </a:r>
-            <a:r>
-              <a:rPr lang="en-US" altLang="zh-TW" dirty="0" smtClean="0"/>
-              <a:t>?</a:t>
+              <a:t>秒</a:t>
             </a:r>
             <a:endParaRPr lang="zh-TW" altLang="en-US" dirty="0"/>
           </a:p>
@@ -570,7 +563,7 @@
           <a:p>
             <a:fld id="{1E11D0B4-ADB5-493E-9822-4E1947901647}" type="slidenum">
               <a:rPr lang="zh-TW" altLang="en-US" smtClean="0"/>
-              <a:t>6</a:t>
+              <a:t>3</a:t>
             </a:fld>
             <a:endParaRPr lang="zh-TW" altLang="en-US"/>
           </a:p>
@@ -579,7 +572,7 @@
     </p:spTree>
     <p:extLst>
       <p:ext uri="{BB962C8B-B14F-4D97-AF65-F5344CB8AC3E}">
-        <p14:creationId xmlns:p14="http://schemas.microsoft.com/office/powerpoint/2010/main" val="595328604"/>
+        <p14:creationId xmlns:p14="http://schemas.microsoft.com/office/powerpoint/2010/main" val="2366743922"/>
       </p:ext>
     </p:extLst>
   </p:cSld>
@@ -633,27 +626,23 @@
           <a:bodyPr/>
           <a:lstStyle/>
           <a:p>
-            <a:pPr marL="0" marR="0" indent="0" algn="l" defTabSz="914400" rtl="0" eaLnBrk="1" fontAlgn="auto" latinLnBrk="0" hangingPunct="1">
-              <a:lnSpc>
-                <a:spcPct val="100000"/>
-              </a:lnSpc>
-              <a:spcBef>
-                <a:spcPts val="0"/>
-              </a:spcBef>
-              <a:spcAft>
-                <a:spcPts val="0"/>
-              </a:spcAft>
-              <a:buClrTx/>
-              <a:buSzTx/>
-              <a:buFontTx/>
-              <a:buNone/>
-              <a:tabLst/>
-              <a:defRPr/>
-            </a:pPr>
+            <a:r>
+              <a:rPr lang="en-US" altLang="zh-TW" dirty="0" smtClean="0"/>
+              <a:t>1</a:t>
+            </a:r>
             <a:r>
               <a:rPr lang="zh-TW" altLang="en-US" dirty="0" smtClean="0"/>
-              <a:t>希望可以透過常見問答集直接找到答案，處理的速度可以更快就可以秀更多的資料</a:t>
-            </a:r>
+              <a:t>分</a:t>
+            </a:r>
+            <a:r>
+              <a:rPr lang="en-US" altLang="zh-TW" dirty="0" smtClean="0"/>
+              <a:t>30</a:t>
+            </a:r>
+            <a:r>
+              <a:rPr lang="zh-TW" altLang="en-US" dirty="0" smtClean="0"/>
+              <a:t>秒</a:t>
+            </a:r>
+            <a:endParaRPr lang="zh-TW" altLang="en-US" dirty="0"/>
           </a:p>
         </p:txBody>
       </p:sp>
@@ -674,7 +663,7 @@
           <a:p>
             <a:fld id="{1E11D0B4-ADB5-493E-9822-4E1947901647}" type="slidenum">
               <a:rPr lang="zh-TW" altLang="en-US" smtClean="0"/>
-              <a:t>12</a:t>
+              <a:t>4</a:t>
             </a:fld>
             <a:endParaRPr lang="zh-TW" altLang="en-US"/>
           </a:p>
@@ -683,7 +672,7 @@
     </p:spTree>
     <p:extLst>
       <p:ext uri="{BB962C8B-B14F-4D97-AF65-F5344CB8AC3E}">
-        <p14:creationId xmlns:p14="http://schemas.microsoft.com/office/powerpoint/2010/main" val="557839497"/>
+        <p14:creationId xmlns:p14="http://schemas.microsoft.com/office/powerpoint/2010/main" val="673278273"/>
       </p:ext>
     </p:extLst>
   </p:cSld>
@@ -738,22 +727,16 @@
           <a:lstStyle/>
           <a:p>
             <a:r>
+              <a:rPr lang="en-US" altLang="zh-TW" dirty="0" smtClean="0"/>
+              <a:t>A~L</a:t>
+            </a:r>
+            <a:r>
               <a:rPr lang="zh-TW" altLang="en-US" dirty="0" smtClean="0"/>
-              <a:t>綠色，預測真的錯誤</a:t>
-            </a:r>
-            <a:endParaRPr lang="en-US" altLang="zh-TW" dirty="0" smtClean="0"/>
-          </a:p>
-          <a:p>
-            <a:r>
-              <a:rPr lang="zh-TW" altLang="en-US" dirty="0" smtClean="0"/>
-              <a:t>紅色，預測更正確唷</a:t>
-            </a:r>
-            <a:endParaRPr lang="en-US" altLang="zh-TW" dirty="0" smtClean="0"/>
-          </a:p>
-          <a:p>
-            <a:r>
-              <a:rPr lang="zh-TW" altLang="en-US" dirty="0" smtClean="0"/>
-              <a:t>黃色，原分類和預測的結果都差強人意</a:t>
+              <a:t>分別類別是什麼</a:t>
+            </a:r>
+            <a:r>
+              <a:rPr lang="en-US" altLang="zh-TW" dirty="0" smtClean="0"/>
+              <a:t>?</a:t>
             </a:r>
             <a:endParaRPr lang="zh-TW" altLang="en-US" dirty="0"/>
           </a:p>
@@ -776,7 +759,213 @@
           <a:p>
             <a:fld id="{1E11D0B4-ADB5-493E-9822-4E1947901647}" type="slidenum">
               <a:rPr lang="zh-TW" altLang="en-US" smtClean="0"/>
-              <a:t>13</a:t>
+              <a:t>6</a:t>
+            </a:fld>
+            <a:endParaRPr lang="zh-TW" altLang="en-US"/>
+          </a:p>
+        </p:txBody>
+      </p:sp>
+    </p:spTree>
+    <p:extLst>
+      <p:ext uri="{BB962C8B-B14F-4D97-AF65-F5344CB8AC3E}">
+        <p14:creationId xmlns:p14="http://schemas.microsoft.com/office/powerpoint/2010/main" val="595328604"/>
+      </p:ext>
+    </p:extLst>
+  </p:cSld>
+  <p:clrMapOvr>
+    <a:masterClrMapping/>
+  </p:clrMapOvr>
+</p:notes>
+</file>
+
+<file path=ppt/notesSlides/notesSlide4.xml><?xml version="1.0" encoding="utf-8"?>
+<p:notes xmlns:a="http://schemas.openxmlformats.org/drawingml/2006/main" xmlns:r="http://schemas.openxmlformats.org/officeDocument/2006/relationships" xmlns:p="http://schemas.openxmlformats.org/presentationml/2006/main">
+  <p:cSld>
+    <p:spTree>
+      <p:nvGrpSpPr>
+        <p:cNvPr id="1" name=""/>
+        <p:cNvGrpSpPr/>
+        <p:nvPr/>
+      </p:nvGrpSpPr>
+      <p:grpSpPr>
+        <a:xfrm>
+          <a:off x="0" y="0"/>
+          <a:ext cx="0" cy="0"/>
+          <a:chOff x="0" y="0"/>
+          <a:chExt cx="0" cy="0"/>
+        </a:xfrm>
+      </p:grpSpPr>
+      <p:sp>
+        <p:nvSpPr>
+          <p:cNvPr id="2" name="投影片圖像版面配置區 1"/>
+          <p:cNvSpPr>
+            <a:spLocks noGrp="1" noRot="1" noChangeAspect="1"/>
+          </p:cNvSpPr>
+          <p:nvPr>
+            <p:ph type="sldImg"/>
+          </p:nvPr>
+        </p:nvSpPr>
+        <p:spPr/>
+      </p:sp>
+      <p:sp>
+        <p:nvSpPr>
+          <p:cNvPr id="3" name="備忘稿版面配置區 2"/>
+          <p:cNvSpPr>
+            <a:spLocks noGrp="1"/>
+          </p:cNvSpPr>
+          <p:nvPr>
+            <p:ph type="body" idx="1"/>
+          </p:nvPr>
+        </p:nvSpPr>
+        <p:spPr/>
+        <p:txBody>
+          <a:bodyPr/>
+          <a:lstStyle/>
+          <a:p>
+            <a:pPr marL="0" marR="0" indent="0" algn="l" defTabSz="914400" rtl="0" eaLnBrk="1" fontAlgn="auto" latinLnBrk="0" hangingPunct="1">
+              <a:lnSpc>
+                <a:spcPct val="100000"/>
+              </a:lnSpc>
+              <a:spcBef>
+                <a:spcPts val="0"/>
+              </a:spcBef>
+              <a:spcAft>
+                <a:spcPts val="0"/>
+              </a:spcAft>
+              <a:buClrTx/>
+              <a:buSzTx/>
+              <a:buFontTx/>
+              <a:buNone/>
+              <a:tabLst/>
+              <a:defRPr/>
+            </a:pPr>
+            <a:r>
+              <a:rPr lang="zh-TW" altLang="en-US" dirty="0" smtClean="0"/>
+              <a:t>希望可以透過常見問答集直接找到答案，處理的速度可以更快就可以秀更多的資料</a:t>
+            </a:r>
+          </a:p>
+        </p:txBody>
+      </p:sp>
+      <p:sp>
+        <p:nvSpPr>
+          <p:cNvPr id="4" name="投影片編號版面配置區 3"/>
+          <p:cNvSpPr>
+            <a:spLocks noGrp="1"/>
+          </p:cNvSpPr>
+          <p:nvPr>
+            <p:ph type="sldNum" sz="quarter" idx="10"/>
+          </p:nvPr>
+        </p:nvSpPr>
+        <p:spPr/>
+        <p:txBody>
+          <a:bodyPr/>
+          <a:lstStyle/>
+          <a:p>
+            <a:fld id="{1E11D0B4-ADB5-493E-9822-4E1947901647}" type="slidenum">
+              <a:rPr lang="zh-TW" altLang="en-US" smtClean="0"/>
+              <a:t>11</a:t>
+            </a:fld>
+            <a:endParaRPr lang="zh-TW" altLang="en-US"/>
+          </a:p>
+        </p:txBody>
+      </p:sp>
+    </p:spTree>
+    <p:extLst>
+      <p:ext uri="{BB962C8B-B14F-4D97-AF65-F5344CB8AC3E}">
+        <p14:creationId xmlns:p14="http://schemas.microsoft.com/office/powerpoint/2010/main" val="557839497"/>
+      </p:ext>
+    </p:extLst>
+  </p:cSld>
+  <p:clrMapOvr>
+    <a:masterClrMapping/>
+  </p:clrMapOvr>
+</p:notes>
+</file>
+
+<file path=ppt/notesSlides/notesSlide5.xml><?xml version="1.0" encoding="utf-8"?>
+<p:notes xmlns:a="http://schemas.openxmlformats.org/drawingml/2006/main" xmlns:r="http://schemas.openxmlformats.org/officeDocument/2006/relationships" xmlns:p="http://schemas.openxmlformats.org/presentationml/2006/main">
+  <p:cSld>
+    <p:spTree>
+      <p:nvGrpSpPr>
+        <p:cNvPr id="1" name=""/>
+        <p:cNvGrpSpPr/>
+        <p:nvPr/>
+      </p:nvGrpSpPr>
+      <p:grpSpPr>
+        <a:xfrm>
+          <a:off x="0" y="0"/>
+          <a:ext cx="0" cy="0"/>
+          <a:chOff x="0" y="0"/>
+          <a:chExt cx="0" cy="0"/>
+        </a:xfrm>
+      </p:grpSpPr>
+      <p:sp>
+        <p:nvSpPr>
+          <p:cNvPr id="2" name="投影片圖像版面配置區 1"/>
+          <p:cNvSpPr>
+            <a:spLocks noGrp="1" noRot="1" noChangeAspect="1"/>
+          </p:cNvSpPr>
+          <p:nvPr>
+            <p:ph type="sldImg"/>
+          </p:nvPr>
+        </p:nvSpPr>
+        <p:spPr/>
+      </p:sp>
+      <p:sp>
+        <p:nvSpPr>
+          <p:cNvPr id="3" name="備忘稿版面配置區 2"/>
+          <p:cNvSpPr>
+            <a:spLocks noGrp="1"/>
+          </p:cNvSpPr>
+          <p:nvPr>
+            <p:ph type="body" idx="1"/>
+          </p:nvPr>
+        </p:nvSpPr>
+        <p:spPr/>
+        <p:txBody>
+          <a:bodyPr/>
+          <a:lstStyle/>
+          <a:p>
+            <a:r>
+              <a:rPr lang="zh-TW" altLang="en-US" dirty="0" smtClean="0"/>
+              <a:t>綠色，預測真的錯誤</a:t>
+            </a:r>
+            <a:endParaRPr lang="en-US" altLang="zh-TW" dirty="0" smtClean="0"/>
+          </a:p>
+          <a:p>
+            <a:r>
+              <a:rPr lang="zh-TW" altLang="en-US" dirty="0" smtClean="0"/>
+              <a:t>紅色，預測更正確唷</a:t>
+            </a:r>
+            <a:endParaRPr lang="en-US" altLang="zh-TW" dirty="0" smtClean="0"/>
+          </a:p>
+          <a:p>
+            <a:r>
+              <a:rPr lang="zh-TW" altLang="en-US" dirty="0" smtClean="0"/>
+              <a:t>黃色，原分類和預測的結果都差強人意</a:t>
+            </a:r>
+            <a:endParaRPr lang="zh-TW" altLang="en-US" dirty="0"/>
+          </a:p>
+        </p:txBody>
+      </p:sp>
+      <p:sp>
+        <p:nvSpPr>
+          <p:cNvPr id="4" name="投影片編號版面配置區 3"/>
+          <p:cNvSpPr>
+            <a:spLocks noGrp="1"/>
+          </p:cNvSpPr>
+          <p:nvPr>
+            <p:ph type="sldNum" sz="quarter" idx="10"/>
+          </p:nvPr>
+        </p:nvSpPr>
+        <p:spPr/>
+        <p:txBody>
+          <a:bodyPr/>
+          <a:lstStyle/>
+          <a:p>
+            <a:fld id="{1E11D0B4-ADB5-493E-9822-4E1947901647}" type="slidenum">
+              <a:rPr lang="zh-TW" altLang="en-US" smtClean="0"/>
+              <a:t>12</a:t>
             </a:fld>
             <a:endParaRPr lang="zh-TW" altLang="en-US"/>
           </a:p>
@@ -4440,38 +4629,367 @@
       </p:grpSpPr>
       <p:sp>
         <p:nvSpPr>
-          <p:cNvPr id="4" name="標題 3"/>
+          <p:cNvPr id="2" name="標題 1"/>
           <p:cNvSpPr>
             <a:spLocks noGrp="1"/>
           </p:cNvSpPr>
           <p:nvPr>
-            <p:ph type="ctrTitle"/>
-          </p:nvPr>
-        </p:nvSpPr>
-        <p:spPr>
-          <a:xfrm>
-            <a:off x="685800" y="2045295"/>
-            <a:ext cx="7772400" cy="1102519"/>
-          </a:xfrm>
-        </p:spPr>
+            <p:ph type="title"/>
+          </p:nvPr>
+        </p:nvSpPr>
+        <p:spPr/>
         <p:txBody>
-          <a:bodyPr>
-            <a:normAutofit/>
-          </a:bodyPr>
+          <a:bodyPr/>
           <a:lstStyle/>
           <a:p>
             <a:r>
-              <a:rPr lang="zh-TW" altLang="en-US" sz="4800" b="1" dirty="0" smtClean="0"/>
-              <a:t>預測結果</a:t>
-            </a:r>
-            <a:endParaRPr lang="zh-TW" altLang="en-US" sz="4800" b="1" dirty="0"/>
+              <a:rPr lang="zh-TW" altLang="en-US" dirty="0" smtClean="0"/>
+              <a:t>資料分析方法與結果</a:t>
+            </a:r>
+            <a:endParaRPr lang="zh-TW" altLang="en-US" dirty="0"/>
+          </a:p>
+        </p:txBody>
+      </p:sp>
+      <p:graphicFrame>
+        <p:nvGraphicFramePr>
+          <p:cNvPr id="5" name="內容版面配置區 4"/>
+          <p:cNvGraphicFramePr>
+            <a:graphicFrameLocks noGrp="1"/>
+          </p:cNvGraphicFramePr>
+          <p:nvPr>
+            <p:ph idx="1"/>
+            <p:extLst>
+              <p:ext uri="{D42A27DB-BD31-4B8C-83A1-F6EECF244321}">
+                <p14:modId xmlns:p14="http://schemas.microsoft.com/office/powerpoint/2010/main" val="3701385524"/>
+              </p:ext>
+            </p:extLst>
+          </p:nvPr>
+        </p:nvGraphicFramePr>
+        <p:xfrm>
+          <a:off x="1259632" y="1563638"/>
+          <a:ext cx="6192688" cy="2520280"/>
+        </p:xfrm>
+        <a:graphic>
+          <a:graphicData uri="http://schemas.openxmlformats.org/drawingml/2006/table">
+            <a:tbl>
+              <a:tblPr>
+                <a:tableStyleId>{8799B23B-EC83-4686-B30A-512413B5E67A}</a:tableStyleId>
+              </a:tblPr>
+              <a:tblGrid>
+                <a:gridCol w="3756221">
+                  <a:extLst>
+                    <a:ext uri="{9D8B030D-6E8A-4147-A177-3AD203B41FA5}">
+                      <a16:colId xmlns:a16="http://schemas.microsoft.com/office/drawing/2014/main" val="20000"/>
+                    </a:ext>
+                  </a:extLst>
+                </a:gridCol>
+                <a:gridCol w="2436467">
+                  <a:extLst>
+                    <a:ext uri="{9D8B030D-6E8A-4147-A177-3AD203B41FA5}">
+                      <a16:colId xmlns:a16="http://schemas.microsoft.com/office/drawing/2014/main" val="20001"/>
+                    </a:ext>
+                  </a:extLst>
+                </a:gridCol>
+              </a:tblGrid>
+              <a:tr h="630070">
+                <a:tc>
+                  <a:txBody>
+                    <a:bodyPr/>
+                    <a:lstStyle/>
+                    <a:p>
+                      <a:pPr algn="ctr" fontAlgn="ctr">
+                        <a:lnSpc>
+                          <a:spcPct val="100000"/>
+                        </a:lnSpc>
+                      </a:pPr>
+                      <a:r>
+                        <a:rPr lang="zh-TW" altLang="en-US" sz="2800" u="none" strike="noStrike" dirty="0">
+                          <a:effectLst/>
+                          <a:latin typeface="微軟正黑體" pitchFamily="34" charset="-120"/>
+                          <a:ea typeface="微軟正黑體" pitchFamily="34" charset="-120"/>
+                        </a:rPr>
+                        <a:t>資料分析方法</a:t>
+                      </a:r>
+                      <a:endParaRPr lang="zh-TW" altLang="en-US" sz="2800" b="0" i="0" u="none" strike="noStrike" dirty="0">
+                        <a:solidFill>
+                          <a:srgbClr val="000000"/>
+                        </a:solidFill>
+                        <a:effectLst/>
+                        <a:latin typeface="微軟正黑體" pitchFamily="34" charset="-120"/>
+                        <a:ea typeface="微軟正黑體" pitchFamily="34" charset="-120"/>
+                      </a:endParaRPr>
+                    </a:p>
+                  </a:txBody>
+                  <a:tcPr marL="9525" marR="9525" marT="9525" marB="0" anchor="ctr"/>
+                </a:tc>
+                <a:tc>
+                  <a:txBody>
+                    <a:bodyPr/>
+                    <a:lstStyle/>
+                    <a:p>
+                      <a:pPr algn="ctr" fontAlgn="ctr">
+                        <a:lnSpc>
+                          <a:spcPct val="100000"/>
+                        </a:lnSpc>
+                      </a:pPr>
+                      <a:r>
+                        <a:rPr lang="zh-TW" altLang="en-US" sz="2800" u="none" strike="noStrike">
+                          <a:effectLst/>
+                          <a:latin typeface="微軟正黑體" pitchFamily="34" charset="-120"/>
+                          <a:ea typeface="微軟正黑體" pitchFamily="34" charset="-120"/>
+                        </a:rPr>
+                        <a:t>準確率</a:t>
+                      </a:r>
+                      <a:endParaRPr lang="zh-TW" altLang="en-US" sz="2800" b="0" i="0" u="none" strike="noStrike">
+                        <a:solidFill>
+                          <a:srgbClr val="000000"/>
+                        </a:solidFill>
+                        <a:effectLst/>
+                        <a:latin typeface="微軟正黑體" pitchFamily="34" charset="-120"/>
+                        <a:ea typeface="微軟正黑體" pitchFamily="34" charset="-120"/>
+                      </a:endParaRPr>
+                    </a:p>
+                  </a:txBody>
+                  <a:tcPr marL="9525" marR="9525" marT="9525" marB="0" anchor="ctr"/>
+                </a:tc>
+                <a:extLst>
+                  <a:ext uri="{0D108BD9-81ED-4DB2-BD59-A6C34878D82A}">
+                    <a16:rowId xmlns:a16="http://schemas.microsoft.com/office/drawing/2014/main" val="10000"/>
+                  </a:ext>
+                </a:extLst>
+              </a:tr>
+              <a:tr h="630070">
+                <a:tc>
+                  <a:txBody>
+                    <a:bodyPr/>
+                    <a:lstStyle/>
+                    <a:p>
+                      <a:pPr algn="ctr" fontAlgn="ctr">
+                        <a:lnSpc>
+                          <a:spcPct val="100000"/>
+                        </a:lnSpc>
+                      </a:pPr>
+                      <a:r>
+                        <a:rPr lang="en-US" sz="2800" u="none" strike="noStrike">
+                          <a:effectLst/>
+                          <a:latin typeface="微軟正黑體" pitchFamily="34" charset="-120"/>
+                          <a:ea typeface="微軟正黑體" pitchFamily="34" charset="-120"/>
+                        </a:rPr>
+                        <a:t>KNN</a:t>
+                      </a:r>
+                      <a:endParaRPr lang="en-US" sz="2800" b="0" i="0" u="none" strike="noStrike">
+                        <a:solidFill>
+                          <a:srgbClr val="000000"/>
+                        </a:solidFill>
+                        <a:effectLst/>
+                        <a:latin typeface="微軟正黑體" pitchFamily="34" charset="-120"/>
+                        <a:ea typeface="微軟正黑體" pitchFamily="34" charset="-120"/>
+                      </a:endParaRPr>
+                    </a:p>
+                  </a:txBody>
+                  <a:tcPr marL="9525" marR="9525" marT="9525" marB="0" anchor="ctr"/>
+                </a:tc>
+                <a:tc>
+                  <a:txBody>
+                    <a:bodyPr/>
+                    <a:lstStyle/>
+                    <a:p>
+                      <a:pPr algn="ctr" fontAlgn="ctr">
+                        <a:lnSpc>
+                          <a:spcPct val="100000"/>
+                        </a:lnSpc>
+                      </a:pPr>
+                      <a:r>
+                        <a:rPr lang="en-US" altLang="zh-TW" sz="2800" u="none" strike="noStrike">
+                          <a:effectLst/>
+                          <a:latin typeface="微軟正黑體" pitchFamily="34" charset="-120"/>
+                          <a:ea typeface="微軟正黑體" pitchFamily="34" charset="-120"/>
+                        </a:rPr>
+                        <a:t>82.57%</a:t>
+                      </a:r>
+                      <a:endParaRPr lang="en-US" altLang="zh-TW" sz="2800" b="0" i="0" u="none" strike="noStrike">
+                        <a:solidFill>
+                          <a:srgbClr val="000000"/>
+                        </a:solidFill>
+                        <a:effectLst/>
+                        <a:latin typeface="微軟正黑體" pitchFamily="34" charset="-120"/>
+                        <a:ea typeface="微軟正黑體" pitchFamily="34" charset="-120"/>
+                      </a:endParaRPr>
+                    </a:p>
+                  </a:txBody>
+                  <a:tcPr marL="9525" marR="9525" marT="9525" marB="0" anchor="ctr"/>
+                </a:tc>
+                <a:extLst>
+                  <a:ext uri="{0D108BD9-81ED-4DB2-BD59-A6C34878D82A}">
+                    <a16:rowId xmlns:a16="http://schemas.microsoft.com/office/drawing/2014/main" val="10001"/>
+                  </a:ext>
+                </a:extLst>
+              </a:tr>
+              <a:tr h="630070">
+                <a:tc>
+                  <a:txBody>
+                    <a:bodyPr/>
+                    <a:lstStyle/>
+                    <a:p>
+                      <a:pPr algn="ctr" fontAlgn="ctr">
+                        <a:lnSpc>
+                          <a:spcPct val="100000"/>
+                        </a:lnSpc>
+                      </a:pPr>
+                      <a:r>
+                        <a:rPr lang="en-US" sz="2800" u="none" strike="noStrike">
+                          <a:effectLst/>
+                          <a:latin typeface="微軟正黑體" pitchFamily="34" charset="-120"/>
+                          <a:ea typeface="微軟正黑體" pitchFamily="34" charset="-120"/>
+                        </a:rPr>
+                        <a:t>SVC</a:t>
+                      </a:r>
+                      <a:endParaRPr lang="en-US" sz="2800" b="0" i="0" u="none" strike="noStrike">
+                        <a:solidFill>
+                          <a:srgbClr val="000000"/>
+                        </a:solidFill>
+                        <a:effectLst/>
+                        <a:latin typeface="微軟正黑體" pitchFamily="34" charset="-120"/>
+                        <a:ea typeface="微軟正黑體" pitchFamily="34" charset="-120"/>
+                      </a:endParaRPr>
+                    </a:p>
+                  </a:txBody>
+                  <a:tcPr marL="9525" marR="9525" marT="9525" marB="0" anchor="ctr"/>
+                </a:tc>
+                <a:tc>
+                  <a:txBody>
+                    <a:bodyPr/>
+                    <a:lstStyle/>
+                    <a:p>
+                      <a:pPr algn="ctr" fontAlgn="ctr">
+                        <a:lnSpc>
+                          <a:spcPct val="100000"/>
+                        </a:lnSpc>
+                      </a:pPr>
+                      <a:r>
+                        <a:rPr lang="en-US" altLang="zh-TW" sz="2800" u="none" strike="noStrike" dirty="0">
+                          <a:effectLst/>
+                          <a:latin typeface="微軟正黑體" pitchFamily="34" charset="-120"/>
+                          <a:ea typeface="微軟正黑體" pitchFamily="34" charset="-120"/>
+                        </a:rPr>
+                        <a:t>75.84%</a:t>
+                      </a:r>
+                      <a:endParaRPr lang="en-US" altLang="zh-TW" sz="2800" b="0" i="0" u="none" strike="noStrike" dirty="0">
+                        <a:solidFill>
+                          <a:srgbClr val="000000"/>
+                        </a:solidFill>
+                        <a:effectLst/>
+                        <a:latin typeface="微軟正黑體" pitchFamily="34" charset="-120"/>
+                        <a:ea typeface="微軟正黑體" pitchFamily="34" charset="-120"/>
+                      </a:endParaRPr>
+                    </a:p>
+                  </a:txBody>
+                  <a:tcPr marL="9525" marR="9525" marT="9525" marB="0" anchor="ctr"/>
+                </a:tc>
+                <a:extLst>
+                  <a:ext uri="{0D108BD9-81ED-4DB2-BD59-A6C34878D82A}">
+                    <a16:rowId xmlns:a16="http://schemas.microsoft.com/office/drawing/2014/main" val="10002"/>
+                  </a:ext>
+                </a:extLst>
+              </a:tr>
+              <a:tr h="630070">
+                <a:tc>
+                  <a:txBody>
+                    <a:bodyPr/>
+                    <a:lstStyle/>
+                    <a:p>
+                      <a:pPr algn="ctr" fontAlgn="ctr">
+                        <a:lnSpc>
+                          <a:spcPct val="100000"/>
+                        </a:lnSpc>
+                      </a:pPr>
+                      <a:r>
+                        <a:rPr lang="en-US" sz="2800" u="none" strike="noStrike" dirty="0">
+                          <a:effectLst/>
+                          <a:latin typeface="微軟正黑體" pitchFamily="34" charset="-120"/>
+                          <a:ea typeface="微軟正黑體" pitchFamily="34" charset="-120"/>
+                        </a:rPr>
+                        <a:t>XGB</a:t>
+                      </a:r>
+                      <a:endParaRPr lang="en-US" sz="2800" b="0" i="0" u="none" strike="noStrike" dirty="0">
+                        <a:solidFill>
+                          <a:srgbClr val="000000"/>
+                        </a:solidFill>
+                        <a:effectLst/>
+                        <a:latin typeface="微軟正黑體" pitchFamily="34" charset="-120"/>
+                        <a:ea typeface="微軟正黑體" pitchFamily="34" charset="-120"/>
+                      </a:endParaRPr>
+                    </a:p>
+                  </a:txBody>
+                  <a:tcPr marL="9525" marR="9525" marT="9525" marB="0" anchor="ctr"/>
+                </a:tc>
+                <a:tc>
+                  <a:txBody>
+                    <a:bodyPr/>
+                    <a:lstStyle/>
+                    <a:p>
+                      <a:pPr algn="ctr" fontAlgn="ctr">
+                        <a:lnSpc>
+                          <a:spcPct val="100000"/>
+                        </a:lnSpc>
+                      </a:pPr>
+                      <a:r>
+                        <a:rPr lang="en-US" altLang="zh-TW" sz="2800" u="none" strike="noStrike" dirty="0" smtClean="0">
+                          <a:effectLst/>
+                          <a:latin typeface="微軟正黑體" pitchFamily="34" charset="-120"/>
+                          <a:ea typeface="微軟正黑體" pitchFamily="34" charset="-120"/>
+                        </a:rPr>
+                        <a:t>96.64%</a:t>
+                      </a:r>
+                      <a:endParaRPr lang="en-US" altLang="zh-TW" sz="2800" b="0" i="0" u="none" strike="noStrike" dirty="0">
+                        <a:solidFill>
+                          <a:srgbClr val="000000"/>
+                        </a:solidFill>
+                        <a:effectLst/>
+                        <a:latin typeface="微軟正黑體" pitchFamily="34" charset="-120"/>
+                        <a:ea typeface="微軟正黑體" pitchFamily="34" charset="-120"/>
+                      </a:endParaRPr>
+                    </a:p>
+                  </a:txBody>
+                  <a:tcPr marL="9525" marR="9525" marT="9525" marB="0" anchor="ctr"/>
+                </a:tc>
+                <a:extLst>
+                  <a:ext uri="{0D108BD9-81ED-4DB2-BD59-A6C34878D82A}">
+                    <a16:rowId xmlns:a16="http://schemas.microsoft.com/office/drawing/2014/main" val="10003"/>
+                  </a:ext>
+                </a:extLst>
+              </a:tr>
+            </a:tbl>
+          </a:graphicData>
+        </a:graphic>
+      </p:graphicFrame>
+      <p:sp>
+        <p:nvSpPr>
+          <p:cNvPr id="6" name="投影片編號版面配置區 5"/>
+          <p:cNvSpPr>
+            <a:spLocks noGrp="1"/>
+          </p:cNvSpPr>
+          <p:nvPr>
+            <p:ph type="sldNum" sz="quarter" idx="12"/>
+          </p:nvPr>
+        </p:nvSpPr>
+        <p:spPr/>
+        <p:txBody>
+          <a:bodyPr/>
+          <a:lstStyle/>
+          <a:p>
+            <a:fld id="{458270D0-B830-4E87-A9C7-B662AFD560B4}" type="slidenum">
+              <a:rPr lang="zh-TW" altLang="en-US" smtClean="0"/>
+              <a:t>10</a:t>
+            </a:fld>
+            <a:endParaRPr lang="zh-TW" altLang="en-US"/>
           </a:p>
         </p:txBody>
       </p:sp>
     </p:spTree>
     <p:extLst>
       <p:ext uri="{BB962C8B-B14F-4D97-AF65-F5344CB8AC3E}">
-        <p14:creationId xmlns:p14="http://schemas.microsoft.com/office/powerpoint/2010/main" val="3735980729"/>
+        <p14:creationId xmlns:p14="http://schemas.microsoft.com/office/powerpoint/2010/main" val="612413717"/>
       </p:ext>
     </p:extLst>
   </p:cSld>
@@ -4521,329 +5039,20 @@
           <a:lstStyle/>
           <a:p>
             <a:r>
+              <a:rPr lang="en-US" altLang="zh-TW" dirty="0" smtClean="0"/>
+              <a:t>XGB</a:t>
+            </a:r>
+            <a:r>
               <a:rPr lang="zh-TW" altLang="en-US" dirty="0" smtClean="0"/>
-              <a:t>資料分析方法與結果</a:t>
+              <a:t>分析結果</a:t>
             </a:r>
             <a:endParaRPr lang="zh-TW" altLang="en-US" dirty="0"/>
           </a:p>
         </p:txBody>
       </p:sp>
-      <p:graphicFrame>
-        <p:nvGraphicFramePr>
-          <p:cNvPr id="5" name="內容版面配置區 4"/>
-          <p:cNvGraphicFramePr>
-            <a:graphicFrameLocks noGrp="1"/>
-          </p:cNvGraphicFramePr>
-          <p:nvPr>
-            <p:ph idx="1"/>
-            <p:extLst>
-              <p:ext uri="{D42A27DB-BD31-4B8C-83A1-F6EECF244321}">
-                <p14:modId xmlns:p14="http://schemas.microsoft.com/office/powerpoint/2010/main" val="3701385524"/>
-              </p:ext>
-            </p:extLst>
-          </p:nvPr>
-        </p:nvGraphicFramePr>
-        <p:xfrm>
-          <a:off x="1259632" y="1563638"/>
-          <a:ext cx="6192688" cy="2520280"/>
-        </p:xfrm>
-        <a:graphic>
-          <a:graphicData uri="http://schemas.openxmlformats.org/drawingml/2006/table">
-            <a:tbl>
-              <a:tblPr>
-                <a:tableStyleId>{8799B23B-EC83-4686-B30A-512413B5E67A}</a:tableStyleId>
-              </a:tblPr>
-              <a:tblGrid>
-                <a:gridCol w="3756221">
-                  <a:extLst>
-                    <a:ext uri="{9D8B030D-6E8A-4147-A177-3AD203B41FA5}">
-                      <a16:colId xmlns:a16="http://schemas.microsoft.com/office/drawing/2014/main" xmlns="" val="20000"/>
-                    </a:ext>
-                  </a:extLst>
-                </a:gridCol>
-                <a:gridCol w="2436467">
-                  <a:extLst>
-                    <a:ext uri="{9D8B030D-6E8A-4147-A177-3AD203B41FA5}">
-                      <a16:colId xmlns:a16="http://schemas.microsoft.com/office/drawing/2014/main" xmlns="" val="20001"/>
-                    </a:ext>
-                  </a:extLst>
-                </a:gridCol>
-              </a:tblGrid>
-              <a:tr h="630070">
-                <a:tc>
-                  <a:txBody>
-                    <a:bodyPr/>
-                    <a:lstStyle/>
-                    <a:p>
-                      <a:pPr algn="ctr" fontAlgn="ctr">
-                        <a:lnSpc>
-                          <a:spcPct val="100000"/>
-                        </a:lnSpc>
-                      </a:pPr>
-                      <a:r>
-                        <a:rPr lang="zh-TW" altLang="en-US" sz="2800" u="none" strike="noStrike" dirty="0">
-                          <a:effectLst/>
-                          <a:latin typeface="微軟正黑體" pitchFamily="34" charset="-120"/>
-                          <a:ea typeface="微軟正黑體" pitchFamily="34" charset="-120"/>
-                        </a:rPr>
-                        <a:t>資料分析方法</a:t>
-                      </a:r>
-                      <a:endParaRPr lang="zh-TW" altLang="en-US" sz="2800" b="0" i="0" u="none" strike="noStrike" dirty="0">
-                        <a:solidFill>
-                          <a:srgbClr val="000000"/>
-                        </a:solidFill>
-                        <a:effectLst/>
-                        <a:latin typeface="微軟正黑體" pitchFamily="34" charset="-120"/>
-                        <a:ea typeface="微軟正黑體" pitchFamily="34" charset="-120"/>
-                      </a:endParaRPr>
-                    </a:p>
-                  </a:txBody>
-                  <a:tcPr marL="9525" marR="9525" marT="9525" marB="0" anchor="ctr"/>
-                </a:tc>
-                <a:tc>
-                  <a:txBody>
-                    <a:bodyPr/>
-                    <a:lstStyle/>
-                    <a:p>
-                      <a:pPr algn="ctr" fontAlgn="ctr">
-                        <a:lnSpc>
-                          <a:spcPct val="100000"/>
-                        </a:lnSpc>
-                      </a:pPr>
-                      <a:r>
-                        <a:rPr lang="zh-TW" altLang="en-US" sz="2800" u="none" strike="noStrike">
-                          <a:effectLst/>
-                          <a:latin typeface="微軟正黑體" pitchFamily="34" charset="-120"/>
-                          <a:ea typeface="微軟正黑體" pitchFamily="34" charset="-120"/>
-                        </a:rPr>
-                        <a:t>準確率</a:t>
-                      </a:r>
-                      <a:endParaRPr lang="zh-TW" altLang="en-US" sz="2800" b="0" i="0" u="none" strike="noStrike">
-                        <a:solidFill>
-                          <a:srgbClr val="000000"/>
-                        </a:solidFill>
-                        <a:effectLst/>
-                        <a:latin typeface="微軟正黑體" pitchFamily="34" charset="-120"/>
-                        <a:ea typeface="微軟正黑體" pitchFamily="34" charset="-120"/>
-                      </a:endParaRPr>
-                    </a:p>
-                  </a:txBody>
-                  <a:tcPr marL="9525" marR="9525" marT="9525" marB="0" anchor="ctr"/>
-                </a:tc>
-                <a:extLst>
-                  <a:ext uri="{0D108BD9-81ED-4DB2-BD59-A6C34878D82A}">
-                    <a16:rowId xmlns:a16="http://schemas.microsoft.com/office/drawing/2014/main" xmlns="" val="10000"/>
-                  </a:ext>
-                </a:extLst>
-              </a:tr>
-              <a:tr h="630070">
-                <a:tc>
-                  <a:txBody>
-                    <a:bodyPr/>
-                    <a:lstStyle/>
-                    <a:p>
-                      <a:pPr algn="ctr" fontAlgn="ctr">
-                        <a:lnSpc>
-                          <a:spcPct val="100000"/>
-                        </a:lnSpc>
-                      </a:pPr>
-                      <a:r>
-                        <a:rPr lang="en-US" sz="2800" u="none" strike="noStrike">
-                          <a:effectLst/>
-                          <a:latin typeface="微軟正黑體" pitchFamily="34" charset="-120"/>
-                          <a:ea typeface="微軟正黑體" pitchFamily="34" charset="-120"/>
-                        </a:rPr>
-                        <a:t>KNN</a:t>
-                      </a:r>
-                      <a:endParaRPr lang="en-US" sz="2800" b="0" i="0" u="none" strike="noStrike">
-                        <a:solidFill>
-                          <a:srgbClr val="000000"/>
-                        </a:solidFill>
-                        <a:effectLst/>
-                        <a:latin typeface="微軟正黑體" pitchFamily="34" charset="-120"/>
-                        <a:ea typeface="微軟正黑體" pitchFamily="34" charset="-120"/>
-                      </a:endParaRPr>
-                    </a:p>
-                  </a:txBody>
-                  <a:tcPr marL="9525" marR="9525" marT="9525" marB="0" anchor="ctr"/>
-                </a:tc>
-                <a:tc>
-                  <a:txBody>
-                    <a:bodyPr/>
-                    <a:lstStyle/>
-                    <a:p>
-                      <a:pPr algn="ctr" fontAlgn="ctr">
-                        <a:lnSpc>
-                          <a:spcPct val="100000"/>
-                        </a:lnSpc>
-                      </a:pPr>
-                      <a:r>
-                        <a:rPr lang="en-US" altLang="zh-TW" sz="2800" u="none" strike="noStrike">
-                          <a:effectLst/>
-                          <a:latin typeface="微軟正黑體" pitchFamily="34" charset="-120"/>
-                          <a:ea typeface="微軟正黑體" pitchFamily="34" charset="-120"/>
-                        </a:rPr>
-                        <a:t>82.57%</a:t>
-                      </a:r>
-                      <a:endParaRPr lang="en-US" altLang="zh-TW" sz="2800" b="0" i="0" u="none" strike="noStrike">
-                        <a:solidFill>
-                          <a:srgbClr val="000000"/>
-                        </a:solidFill>
-                        <a:effectLst/>
-                        <a:latin typeface="微軟正黑體" pitchFamily="34" charset="-120"/>
-                        <a:ea typeface="微軟正黑體" pitchFamily="34" charset="-120"/>
-                      </a:endParaRPr>
-                    </a:p>
-                  </a:txBody>
-                  <a:tcPr marL="9525" marR="9525" marT="9525" marB="0" anchor="ctr"/>
-                </a:tc>
-                <a:extLst>
-                  <a:ext uri="{0D108BD9-81ED-4DB2-BD59-A6C34878D82A}">
-                    <a16:rowId xmlns:a16="http://schemas.microsoft.com/office/drawing/2014/main" xmlns="" val="10001"/>
-                  </a:ext>
-                </a:extLst>
-              </a:tr>
-              <a:tr h="630070">
-                <a:tc>
-                  <a:txBody>
-                    <a:bodyPr/>
-                    <a:lstStyle/>
-                    <a:p>
-                      <a:pPr algn="ctr" fontAlgn="ctr">
-                        <a:lnSpc>
-                          <a:spcPct val="100000"/>
-                        </a:lnSpc>
-                      </a:pPr>
-                      <a:r>
-                        <a:rPr lang="en-US" sz="2800" u="none" strike="noStrike">
-                          <a:effectLst/>
-                          <a:latin typeface="微軟正黑體" pitchFamily="34" charset="-120"/>
-                          <a:ea typeface="微軟正黑體" pitchFamily="34" charset="-120"/>
-                        </a:rPr>
-                        <a:t>SVC</a:t>
-                      </a:r>
-                      <a:endParaRPr lang="en-US" sz="2800" b="0" i="0" u="none" strike="noStrike">
-                        <a:solidFill>
-                          <a:srgbClr val="000000"/>
-                        </a:solidFill>
-                        <a:effectLst/>
-                        <a:latin typeface="微軟正黑體" pitchFamily="34" charset="-120"/>
-                        <a:ea typeface="微軟正黑體" pitchFamily="34" charset="-120"/>
-                      </a:endParaRPr>
-                    </a:p>
-                  </a:txBody>
-                  <a:tcPr marL="9525" marR="9525" marT="9525" marB="0" anchor="ctr"/>
-                </a:tc>
-                <a:tc>
-                  <a:txBody>
-                    <a:bodyPr/>
-                    <a:lstStyle/>
-                    <a:p>
-                      <a:pPr algn="ctr" fontAlgn="ctr">
-                        <a:lnSpc>
-                          <a:spcPct val="100000"/>
-                        </a:lnSpc>
-                      </a:pPr>
-                      <a:r>
-                        <a:rPr lang="en-US" altLang="zh-TW" sz="2800" u="none" strike="noStrike" dirty="0">
-                          <a:effectLst/>
-                          <a:latin typeface="微軟正黑體" pitchFamily="34" charset="-120"/>
-                          <a:ea typeface="微軟正黑體" pitchFamily="34" charset="-120"/>
-                        </a:rPr>
-                        <a:t>75.84%</a:t>
-                      </a:r>
-                      <a:endParaRPr lang="en-US" altLang="zh-TW" sz="2800" b="0" i="0" u="none" strike="noStrike" dirty="0">
-                        <a:solidFill>
-                          <a:srgbClr val="000000"/>
-                        </a:solidFill>
-                        <a:effectLst/>
-                        <a:latin typeface="微軟正黑體" pitchFamily="34" charset="-120"/>
-                        <a:ea typeface="微軟正黑體" pitchFamily="34" charset="-120"/>
-                      </a:endParaRPr>
-                    </a:p>
-                  </a:txBody>
-                  <a:tcPr marL="9525" marR="9525" marT="9525" marB="0" anchor="ctr"/>
-                </a:tc>
-                <a:extLst>
-                  <a:ext uri="{0D108BD9-81ED-4DB2-BD59-A6C34878D82A}">
-                    <a16:rowId xmlns:a16="http://schemas.microsoft.com/office/drawing/2014/main" xmlns="" val="10002"/>
-                  </a:ext>
-                </a:extLst>
-              </a:tr>
-              <a:tr h="630070">
-                <a:tc>
-                  <a:txBody>
-                    <a:bodyPr/>
-                    <a:lstStyle/>
-                    <a:p>
-                      <a:pPr algn="ctr" fontAlgn="ctr">
-                        <a:lnSpc>
-                          <a:spcPct val="100000"/>
-                        </a:lnSpc>
-                      </a:pPr>
-                      <a:r>
-                        <a:rPr lang="en-US" sz="2800" u="none" strike="noStrike" dirty="0">
-                          <a:effectLst/>
-                          <a:latin typeface="微軟正黑體" pitchFamily="34" charset="-120"/>
-                          <a:ea typeface="微軟正黑體" pitchFamily="34" charset="-120"/>
-                        </a:rPr>
-                        <a:t>XGB</a:t>
-                      </a:r>
-                      <a:endParaRPr lang="en-US" sz="2800" b="0" i="0" u="none" strike="noStrike" dirty="0">
-                        <a:solidFill>
-                          <a:srgbClr val="000000"/>
-                        </a:solidFill>
-                        <a:effectLst/>
-                        <a:latin typeface="微軟正黑體" pitchFamily="34" charset="-120"/>
-                        <a:ea typeface="微軟正黑體" pitchFamily="34" charset="-120"/>
-                      </a:endParaRPr>
-                    </a:p>
-                  </a:txBody>
-                  <a:tcPr marL="9525" marR="9525" marT="9525" marB="0" anchor="ctr"/>
-                </a:tc>
-                <a:tc>
-                  <a:txBody>
-                    <a:bodyPr/>
-                    <a:lstStyle/>
-                    <a:p>
-                      <a:pPr algn="ctr" fontAlgn="ctr">
-                        <a:lnSpc>
-                          <a:spcPct val="100000"/>
-                        </a:lnSpc>
-                      </a:pPr>
-                      <a:r>
-                        <a:rPr lang="en-US" altLang="zh-TW" sz="2800" u="none" strike="noStrike" dirty="0" smtClean="0">
-                          <a:effectLst/>
-                          <a:latin typeface="微軟正黑體" pitchFamily="34" charset="-120"/>
-                          <a:ea typeface="微軟正黑體" pitchFamily="34" charset="-120"/>
-                        </a:rPr>
-                        <a:t>96.64%</a:t>
-                      </a:r>
-                      <a:endParaRPr lang="en-US" altLang="zh-TW" sz="2800" b="0" i="0" u="none" strike="noStrike" dirty="0">
-                        <a:solidFill>
-                          <a:srgbClr val="000000"/>
-                        </a:solidFill>
-                        <a:effectLst/>
-                        <a:latin typeface="微軟正黑體" pitchFamily="34" charset="-120"/>
-                        <a:ea typeface="微軟正黑體" pitchFamily="34" charset="-120"/>
-                      </a:endParaRPr>
-                    </a:p>
-                  </a:txBody>
-                  <a:tcPr marL="9525" marR="9525" marT="9525" marB="0" anchor="ctr"/>
-                </a:tc>
-                <a:extLst>
-                  <a:ext uri="{0D108BD9-81ED-4DB2-BD59-A6C34878D82A}">
-                    <a16:rowId xmlns:a16="http://schemas.microsoft.com/office/drawing/2014/main" xmlns="" val="10003"/>
-                  </a:ext>
-                </a:extLst>
-              </a:tr>
-            </a:tbl>
-          </a:graphicData>
-        </a:graphic>
-      </p:graphicFrame>
-      <p:sp>
-        <p:nvSpPr>
-          <p:cNvPr id="6" name="投影片編號版面配置區 5"/>
+      <p:sp>
+        <p:nvSpPr>
+          <p:cNvPr id="5" name="投影片編號版面配置區 4"/>
           <p:cNvSpPr>
             <a:spLocks noGrp="1"/>
           </p:cNvSpPr>
@@ -4859,93 +5068,6 @@
             <a:fld id="{458270D0-B830-4E87-A9C7-B662AFD560B4}" type="slidenum">
               <a:rPr lang="zh-TW" altLang="en-US" smtClean="0"/>
               <a:t>11</a:t>
-            </a:fld>
-            <a:endParaRPr lang="zh-TW" altLang="en-US"/>
-          </a:p>
-        </p:txBody>
-      </p:sp>
-    </p:spTree>
-    <p:extLst>
-      <p:ext uri="{BB962C8B-B14F-4D97-AF65-F5344CB8AC3E}">
-        <p14:creationId xmlns:p14="http://schemas.microsoft.com/office/powerpoint/2010/main" val="612413717"/>
-      </p:ext>
-    </p:extLst>
-  </p:cSld>
-  <p:clrMapOvr>
-    <a:masterClrMapping/>
-  </p:clrMapOvr>
-  <p:timing>
-    <p:tnLst>
-      <p:par>
-        <p:cTn id="1" dur="indefinite" restart="never" nodeType="tmRoot"/>
-      </p:par>
-    </p:tnLst>
-  </p:timing>
-</p:sld>
-</file>
-
-<file path=ppt/slides/slide12.xml><?xml version="1.0" encoding="utf-8"?>
-<p:sld xmlns:a="http://schemas.openxmlformats.org/drawingml/2006/main" xmlns:r="http://schemas.openxmlformats.org/officeDocument/2006/relationships" xmlns:p="http://schemas.openxmlformats.org/presentationml/2006/main">
-  <p:cSld>
-    <p:spTree>
-      <p:nvGrpSpPr>
-        <p:cNvPr id="1" name=""/>
-        <p:cNvGrpSpPr/>
-        <p:nvPr/>
-      </p:nvGrpSpPr>
-      <p:grpSpPr>
-        <a:xfrm>
-          <a:off x="0" y="0"/>
-          <a:ext cx="0" cy="0"/>
-          <a:chOff x="0" y="0"/>
-          <a:chExt cx="0" cy="0"/>
-        </a:xfrm>
-      </p:grpSpPr>
-      <p:sp>
-        <p:nvSpPr>
-          <p:cNvPr id="2" name="標題 1"/>
-          <p:cNvSpPr>
-            <a:spLocks noGrp="1"/>
-          </p:cNvSpPr>
-          <p:nvPr>
-            <p:ph type="title"/>
-          </p:nvPr>
-        </p:nvSpPr>
-        <p:spPr/>
-        <p:txBody>
-          <a:bodyPr/>
-          <a:lstStyle/>
-          <a:p>
-            <a:r>
-              <a:rPr lang="en-US" altLang="zh-TW" dirty="0" smtClean="0"/>
-              <a:t>XGB</a:t>
-            </a:r>
-            <a:r>
-              <a:rPr lang="zh-TW" altLang="en-US" dirty="0" smtClean="0"/>
-              <a:t>分析結果</a:t>
-            </a:r>
-            <a:endParaRPr lang="zh-TW" altLang="en-US" dirty="0"/>
-          </a:p>
-        </p:txBody>
-      </p:sp>
-      <p:sp>
-        <p:nvSpPr>
-          <p:cNvPr id="5" name="投影片編號版面配置區 4"/>
-          <p:cNvSpPr>
-            <a:spLocks noGrp="1"/>
-          </p:cNvSpPr>
-          <p:nvPr>
-            <p:ph type="sldNum" sz="quarter" idx="12"/>
-          </p:nvPr>
-        </p:nvSpPr>
-        <p:spPr/>
-        <p:txBody>
-          <a:bodyPr/>
-          <a:lstStyle/>
-          <a:p>
-            <a:fld id="{458270D0-B830-4E87-A9C7-B662AFD560B4}" type="slidenum">
-              <a:rPr lang="zh-TW" altLang="en-US" smtClean="0"/>
-              <a:t>12</a:t>
             </a:fld>
             <a:endParaRPr lang="zh-TW" altLang="en-US"/>
           </a:p>
@@ -5001,7 +5123,7 @@
 </p:sld>
 </file>
 
-<file path=ppt/slides/slide13.xml><?xml version="1.0" encoding="utf-8"?>
+<file path=ppt/slides/slide12.xml><?xml version="1.0" encoding="utf-8"?>
 <p:sld xmlns:a="http://schemas.openxmlformats.org/drawingml/2006/main" xmlns:r="http://schemas.openxmlformats.org/officeDocument/2006/relationships" xmlns:p="http://schemas.openxmlformats.org/presentationml/2006/main">
   <p:cSld>
     <p:spTree>
@@ -5062,7 +5184,7 @@
           <a:p>
             <a:fld id="{458270D0-B830-4E87-A9C7-B662AFD560B4}" type="slidenum">
               <a:rPr lang="zh-TW" altLang="en-US" smtClean="0"/>
-              <a:t>13</a:t>
+              <a:t>12</a:t>
             </a:fld>
             <a:endParaRPr lang="zh-TW" altLang="en-US"/>
           </a:p>
@@ -5077,7 +5199,7 @@
           <p:nvPr>
             <p:extLst>
               <p:ext uri="{D42A27DB-BD31-4B8C-83A1-F6EECF244321}">
-                <p14:modId xmlns:p14="http://schemas.microsoft.com/office/powerpoint/2010/main" val="1068091167"/>
+                <p14:modId xmlns:p14="http://schemas.microsoft.com/office/powerpoint/2010/main" val="919451775"/>
               </p:ext>
             </p:extLst>
           </p:nvPr>
@@ -5093,9 +5215,27 @@
                 <a:tableStyleId>{793D81CF-94F2-401A-BA57-92F5A7B2D0C5}</a:tableStyleId>
               </a:tblPr>
               <a:tblGrid>
-                <a:gridCol w="4752528"/>
-                <a:gridCol w="2346752"/>
-                <a:gridCol w="1901720"/>
+                <a:gridCol w="4752528">
+                  <a:extLst>
+                    <a:ext uri="{9D8B030D-6E8A-4147-A177-3AD203B41FA5}">
+                      <a16:colId xmlns:a16="http://schemas.microsoft.com/office/drawing/2014/main" val="20000"/>
+                    </a:ext>
+                  </a:extLst>
+                </a:gridCol>
+                <a:gridCol w="2346752">
+                  <a:extLst>
+                    <a:ext uri="{9D8B030D-6E8A-4147-A177-3AD203B41FA5}">
+                      <a16:colId xmlns:a16="http://schemas.microsoft.com/office/drawing/2014/main" val="20001"/>
+                    </a:ext>
+                  </a:extLst>
+                </a:gridCol>
+                <a:gridCol w="1901720">
+                  <a:extLst>
+                    <a:ext uri="{9D8B030D-6E8A-4147-A177-3AD203B41FA5}">
+                      <a16:colId xmlns:a16="http://schemas.microsoft.com/office/drawing/2014/main" val="20002"/>
+                    </a:ext>
+                  </a:extLst>
+                </a:gridCol>
               </a:tblGrid>
               <a:tr h="288032">
                 <a:tc>
@@ -5267,6 +5407,11 @@
                     </a:solidFill>
                   </a:tcPr>
                 </a:tc>
+                <a:extLst>
+                  <a:ext uri="{0D108BD9-81ED-4DB2-BD59-A6C34878D82A}">
+                    <a16:rowId xmlns:a16="http://schemas.microsoft.com/office/drawing/2014/main" val="10000"/>
+                  </a:ext>
+                </a:extLst>
               </a:tr>
               <a:tr h="527339">
                 <a:tc>
@@ -5432,7 +5577,7 @@
                   <a:tcPr marL="2911" marR="2911" marT="2911" marB="0" anchor="ctr">
                     <a:lnR w="12700" cap="flat" cmpd="sng" algn="ctr">
                       <a:solidFill>
-                        <a:schemeClr val="bg1"/>
+                        <a:schemeClr val="tx1"/>
                       </a:solidFill>
                       <a:prstDash val="solid"/>
                       <a:round/>
@@ -5478,7 +5623,7 @@
                   <a:tcPr marL="2911" marR="2911" marT="2911" marB="0" anchor="ctr">
                     <a:lnL w="12700" cap="flat" cmpd="sng" algn="ctr">
                       <a:solidFill>
-                        <a:schemeClr val="bg1"/>
+                        <a:schemeClr val="tx1"/>
                       </a:solidFill>
                       <a:prstDash val="solid"/>
                       <a:round/>
@@ -5487,7 +5632,7 @@
                     </a:lnL>
                     <a:lnR w="12700" cap="flat" cmpd="sng" algn="ctr">
                       <a:solidFill>
-                        <a:schemeClr val="bg1"/>
+                        <a:schemeClr val="tx1"/>
                       </a:solidFill>
                       <a:prstDash val="solid"/>
                       <a:round/>
@@ -5533,7 +5678,7 @@
                   <a:tcPr marL="2911" marR="2911" marT="2911" marB="0" anchor="ctr">
                     <a:lnL w="12700" cap="flat" cmpd="sng" algn="ctr">
                       <a:solidFill>
-                        <a:schemeClr val="bg1"/>
+                        <a:schemeClr val="tx1"/>
                       </a:solidFill>
                       <a:prstDash val="solid"/>
                       <a:round/>
@@ -5548,6 +5693,11 @@
                     </a:solidFill>
                   </a:tcPr>
                 </a:tc>
+                <a:extLst>
+                  <a:ext uri="{0D108BD9-81ED-4DB2-BD59-A6C34878D82A}">
+                    <a16:rowId xmlns:a16="http://schemas.microsoft.com/office/drawing/2014/main" val="10001"/>
+                  </a:ext>
+                </a:extLst>
               </a:tr>
               <a:tr h="469083">
                 <a:tc>
@@ -5625,7 +5775,7 @@
                   <a:tcPr marL="2911" marR="2911" marT="2911" marB="0" anchor="ctr">
                     <a:lnR w="12700" cap="flat" cmpd="sng" algn="ctr">
                       <a:solidFill>
-                        <a:schemeClr val="bg1"/>
+                        <a:schemeClr val="tx1"/>
                       </a:solidFill>
                       <a:prstDash val="solid"/>
                       <a:round/>
@@ -5671,7 +5821,7 @@
                   <a:tcPr marL="2911" marR="2911" marT="2911" marB="0" anchor="ctr">
                     <a:lnL w="12700" cap="flat" cmpd="sng" algn="ctr">
                       <a:solidFill>
-                        <a:schemeClr val="bg1"/>
+                        <a:schemeClr val="tx1"/>
                       </a:solidFill>
                       <a:prstDash val="solid"/>
                       <a:round/>
@@ -5680,7 +5830,7 @@
                     </a:lnL>
                     <a:lnR w="12700" cap="flat" cmpd="sng" algn="ctr">
                       <a:solidFill>
-                        <a:schemeClr val="bg1"/>
+                        <a:schemeClr val="tx1"/>
                       </a:solidFill>
                       <a:prstDash val="solid"/>
                       <a:round/>
@@ -5726,7 +5876,7 @@
                   <a:tcPr marL="2911" marR="2911" marT="2911" marB="0" anchor="ctr">
                     <a:lnL w="12700" cap="flat" cmpd="sng" algn="ctr">
                       <a:solidFill>
-                        <a:schemeClr val="bg1"/>
+                        <a:schemeClr val="tx1"/>
                       </a:solidFill>
                       <a:prstDash val="solid"/>
                       <a:round/>
@@ -5741,6 +5891,11 @@
                     </a:solidFill>
                   </a:tcPr>
                 </a:tc>
+                <a:extLst>
+                  <a:ext uri="{0D108BD9-81ED-4DB2-BD59-A6C34878D82A}">
+                    <a16:rowId xmlns:a16="http://schemas.microsoft.com/office/drawing/2014/main" val="10002"/>
+                  </a:ext>
+                </a:extLst>
               </a:tr>
               <a:tr h="299722">
                 <a:tc>
@@ -5774,7 +5929,7 @@
                   <a:tcPr marL="2911" marR="2911" marT="2911" marB="0" anchor="ctr">
                     <a:lnR w="12700" cap="flat" cmpd="sng" algn="ctr">
                       <a:solidFill>
-                        <a:schemeClr val="bg1"/>
+                        <a:schemeClr val="tx1"/>
                       </a:solidFill>
                       <a:prstDash val="solid"/>
                       <a:round/>
@@ -5820,7 +5975,7 @@
                   <a:tcPr marL="2911" marR="2911" marT="2911" marB="0" anchor="ctr">
                     <a:lnL w="12700" cap="flat" cmpd="sng" algn="ctr">
                       <a:solidFill>
-                        <a:schemeClr val="bg1"/>
+                        <a:schemeClr val="tx1"/>
                       </a:solidFill>
                       <a:prstDash val="solid"/>
                       <a:round/>
@@ -5829,7 +5984,7 @@
                     </a:lnL>
                     <a:lnR w="12700" cap="flat" cmpd="sng" algn="ctr">
                       <a:solidFill>
-                        <a:schemeClr val="bg1"/>
+                        <a:schemeClr val="tx1"/>
                       </a:solidFill>
                       <a:prstDash val="solid"/>
                       <a:round/>
@@ -5875,7 +6030,7 @@
                   <a:tcPr marL="2911" marR="2911" marT="2911" marB="0" anchor="ctr">
                     <a:lnL w="12700" cap="flat" cmpd="sng" algn="ctr">
                       <a:solidFill>
-                        <a:schemeClr val="bg1"/>
+                        <a:schemeClr val="tx1"/>
                       </a:solidFill>
                       <a:prstDash val="solid"/>
                       <a:round/>
@@ -5890,6 +6045,11 @@
                     </a:solidFill>
                   </a:tcPr>
                 </a:tc>
+                <a:extLst>
+                  <a:ext uri="{0D108BD9-81ED-4DB2-BD59-A6C34878D82A}">
+                    <a16:rowId xmlns:a16="http://schemas.microsoft.com/office/drawing/2014/main" val="10003"/>
+                  </a:ext>
+                </a:extLst>
               </a:tr>
               <a:tr h="527339">
                 <a:tc>
@@ -6023,7 +6183,7 @@
                   <a:tcPr marL="2911" marR="2911" marT="2911" marB="0" anchor="ctr">
                     <a:lnR w="12700" cap="flat" cmpd="sng" algn="ctr">
                       <a:solidFill>
-                        <a:schemeClr val="bg1"/>
+                        <a:schemeClr val="tx1"/>
                       </a:solidFill>
                       <a:prstDash val="solid"/>
                       <a:round/>
@@ -6069,7 +6229,7 @@
                   <a:tcPr marL="2911" marR="2911" marT="2911" marB="0" anchor="ctr">
                     <a:lnL w="12700" cap="flat" cmpd="sng" algn="ctr">
                       <a:solidFill>
-                        <a:schemeClr val="bg1"/>
+                        <a:schemeClr val="tx1"/>
                       </a:solidFill>
                       <a:prstDash val="solid"/>
                       <a:round/>
@@ -6078,7 +6238,7 @@
                     </a:lnL>
                     <a:lnR w="12700" cap="flat" cmpd="sng" algn="ctr">
                       <a:solidFill>
-                        <a:schemeClr val="bg1"/>
+                        <a:schemeClr val="tx1"/>
                       </a:solidFill>
                       <a:prstDash val="solid"/>
                       <a:round/>
@@ -6124,7 +6284,7 @@
                   <a:tcPr marL="2911" marR="2911" marT="2911" marB="0" anchor="ctr">
                     <a:lnL w="12700" cap="flat" cmpd="sng" algn="ctr">
                       <a:solidFill>
-                        <a:schemeClr val="bg1"/>
+                        <a:schemeClr val="tx1"/>
                       </a:solidFill>
                       <a:prstDash val="solid"/>
                       <a:round/>
@@ -6139,6 +6299,11 @@
                     </a:solidFill>
                   </a:tcPr>
                 </a:tc>
+                <a:extLst>
+                  <a:ext uri="{0D108BD9-81ED-4DB2-BD59-A6C34878D82A}">
+                    <a16:rowId xmlns:a16="http://schemas.microsoft.com/office/drawing/2014/main" val="10004"/>
+                  </a:ext>
+                </a:extLst>
               </a:tr>
               <a:tr h="352571">
                 <a:tc>
@@ -6172,7 +6337,7 @@
                   <a:tcPr marL="2911" marR="2911" marT="2911" marB="0" anchor="ctr">
                     <a:lnR w="12700" cap="flat" cmpd="sng" algn="ctr">
                       <a:solidFill>
-                        <a:schemeClr val="bg1"/>
+                        <a:schemeClr val="tx1"/>
                       </a:solidFill>
                       <a:prstDash val="solid"/>
                       <a:round/>
@@ -6215,7 +6380,7 @@
                   <a:tcPr marL="2911" marR="2911" marT="2911" marB="0" anchor="ctr">
                     <a:lnL w="12700" cap="flat" cmpd="sng" algn="ctr">
                       <a:solidFill>
-                        <a:schemeClr val="bg1"/>
+                        <a:schemeClr val="tx1"/>
                       </a:solidFill>
                       <a:prstDash val="solid"/>
                       <a:round/>
@@ -6224,7 +6389,7 @@
                     </a:lnL>
                     <a:lnR w="12700" cap="flat" cmpd="sng" algn="ctr">
                       <a:solidFill>
-                        <a:schemeClr val="bg1"/>
+                        <a:schemeClr val="tx1"/>
                       </a:solidFill>
                       <a:prstDash val="solid"/>
                       <a:round/>
@@ -6267,7 +6432,7 @@
                   <a:tcPr marL="2911" marR="2911" marT="2911" marB="0" anchor="ctr">
                     <a:lnL w="12700" cap="flat" cmpd="sng" algn="ctr">
                       <a:solidFill>
-                        <a:schemeClr val="bg1"/>
+                        <a:schemeClr val="tx1"/>
                       </a:solidFill>
                       <a:prstDash val="solid"/>
                       <a:round/>
@@ -6279,6 +6444,11 @@
                     </a:solidFill>
                   </a:tcPr>
                 </a:tc>
+                <a:extLst>
+                  <a:ext uri="{0D108BD9-81ED-4DB2-BD59-A6C34878D82A}">
+                    <a16:rowId xmlns:a16="http://schemas.microsoft.com/office/drawing/2014/main" val="10005"/>
+                  </a:ext>
+                </a:extLst>
               </a:tr>
               <a:tr h="272218">
                 <a:tc>
@@ -6312,7 +6482,7 @@
                   <a:tcPr marL="2911" marR="2911" marT="2911" marB="0" anchor="ctr">
                     <a:lnR w="12700" cap="flat" cmpd="sng" algn="ctr">
                       <a:solidFill>
-                        <a:schemeClr val="bg1"/>
+                        <a:schemeClr val="tx1"/>
                       </a:solidFill>
                       <a:prstDash val="solid"/>
                       <a:round/>
@@ -6358,7 +6528,7 @@
                   <a:tcPr marL="2911" marR="2911" marT="2911" marB="0" anchor="ctr">
                     <a:lnL w="12700" cap="flat" cmpd="sng" algn="ctr">
                       <a:solidFill>
-                        <a:schemeClr val="bg1"/>
+                        <a:schemeClr val="tx1"/>
                       </a:solidFill>
                       <a:prstDash val="solid"/>
                       <a:round/>
@@ -6367,7 +6537,7 @@
                     </a:lnL>
                     <a:lnR w="12700" cap="flat" cmpd="sng" algn="ctr">
                       <a:solidFill>
-                        <a:schemeClr val="bg1"/>
+                        <a:schemeClr val="tx1"/>
                       </a:solidFill>
                       <a:prstDash val="solid"/>
                       <a:round/>
@@ -6413,7 +6583,7 @@
                   <a:tcPr marL="2911" marR="2911" marT="2911" marB="0" anchor="ctr">
                     <a:lnL w="12700" cap="flat" cmpd="sng" algn="ctr">
                       <a:solidFill>
-                        <a:schemeClr val="bg1"/>
+                        <a:schemeClr val="tx1"/>
                       </a:solidFill>
                       <a:prstDash val="solid"/>
                       <a:round/>
@@ -6428,6 +6598,11 @@
                     </a:solidFill>
                   </a:tcPr>
                 </a:tc>
+                <a:extLst>
+                  <a:ext uri="{0D108BD9-81ED-4DB2-BD59-A6C34878D82A}">
+                    <a16:rowId xmlns:a16="http://schemas.microsoft.com/office/drawing/2014/main" val="10006"/>
+                  </a:ext>
+                </a:extLst>
               </a:tr>
               <a:tr h="236059">
                 <a:tc>
@@ -6461,7 +6636,7 @@
                   <a:tcPr marL="2911" marR="2911" marT="2911" marB="0" anchor="ctr">
                     <a:lnR w="12700" cap="flat" cmpd="sng" algn="ctr">
                       <a:solidFill>
-                        <a:schemeClr val="bg1"/>
+                        <a:schemeClr val="tx1"/>
                       </a:solidFill>
                       <a:prstDash val="solid"/>
                       <a:round/>
@@ -6507,7 +6682,7 @@
                   <a:tcPr marL="2911" marR="2911" marT="2911" marB="0" anchor="ctr">
                     <a:lnL w="12700" cap="flat" cmpd="sng" algn="ctr">
                       <a:solidFill>
-                        <a:schemeClr val="bg1"/>
+                        <a:schemeClr val="tx1"/>
                       </a:solidFill>
                       <a:prstDash val="solid"/>
                       <a:round/>
@@ -6516,7 +6691,7 @@
                     </a:lnL>
                     <a:lnR w="12700" cap="flat" cmpd="sng" algn="ctr">
                       <a:solidFill>
-                        <a:schemeClr val="bg1"/>
+                        <a:schemeClr val="tx1"/>
                       </a:solidFill>
                       <a:prstDash val="solid"/>
                       <a:round/>
@@ -6562,7 +6737,7 @@
                   <a:tcPr marL="2911" marR="2911" marT="2911" marB="0" anchor="ctr">
                     <a:lnL w="12700" cap="flat" cmpd="sng" algn="ctr">
                       <a:solidFill>
-                        <a:schemeClr val="bg1"/>
+                        <a:schemeClr val="tx1"/>
                       </a:solidFill>
                       <a:prstDash val="solid"/>
                       <a:round/>
@@ -6577,6 +6752,11 @@
                     </a:solidFill>
                   </a:tcPr>
                 </a:tc>
+                <a:extLst>
+                  <a:ext uri="{0D108BD9-81ED-4DB2-BD59-A6C34878D82A}">
+                    <a16:rowId xmlns:a16="http://schemas.microsoft.com/office/drawing/2014/main" val="10007"/>
+                  </a:ext>
+                </a:extLst>
               </a:tr>
               <a:tr h="484021">
                 <a:tc>
@@ -6610,7 +6790,7 @@
                   <a:tcPr marL="2911" marR="2911" marT="2911" marB="0" anchor="ctr">
                     <a:lnR w="12700" cap="flat" cmpd="sng" algn="ctr">
                       <a:solidFill>
-                        <a:schemeClr val="bg1"/>
+                        <a:schemeClr val="tx1"/>
                       </a:solidFill>
                       <a:prstDash val="solid"/>
                       <a:round/>
@@ -6618,10 +6798,7 @@
                       <a:tailEnd type="none" w="med" len="med"/>
                     </a:lnR>
                     <a:solidFill>
-                      <a:schemeClr val="accent3">
-                        <a:lumMod val="60000"/>
-                        <a:lumOff val="40000"/>
-                      </a:schemeClr>
+                      <a:schemeClr val="bg1"/>
                     </a:solidFill>
                   </a:tcPr>
                 </a:tc>
@@ -6636,14 +6813,14 @@
                         </a:spcBef>
                       </a:pPr>
                       <a:r>
-                        <a:rPr lang="zh-TW" altLang="en-US" sz="1300" u="none" strike="noStrike">
+                        <a:rPr lang="zh-TW" altLang="en-US" sz="1300" u="none" strike="noStrike" dirty="0">
                           <a:effectLst/>
                           <a:latin typeface="微軟正黑體" pitchFamily="34" charset="-120"/>
                           <a:ea typeface="微軟正黑體" pitchFamily="34" charset="-120"/>
                         </a:rPr>
                         <a:t>社工專業服務</a:t>
                       </a:r>
-                      <a:endParaRPr lang="zh-TW" altLang="en-US" sz="1300" b="0" i="0" u="none" strike="noStrike">
+                      <a:endParaRPr lang="zh-TW" altLang="en-US" sz="1300" b="0" i="0" u="none" strike="noStrike" dirty="0">
                         <a:solidFill>
                           <a:srgbClr val="000000"/>
                         </a:solidFill>
@@ -6656,7 +6833,7 @@
                   <a:tcPr marL="2911" marR="2911" marT="2911" marB="0" anchor="ctr">
                     <a:lnL w="12700" cap="flat" cmpd="sng" algn="ctr">
                       <a:solidFill>
-                        <a:schemeClr val="bg1"/>
+                        <a:schemeClr val="tx1"/>
                       </a:solidFill>
                       <a:prstDash val="solid"/>
                       <a:round/>
@@ -6665,7 +6842,7 @@
                     </a:lnL>
                     <a:lnR w="12700" cap="flat" cmpd="sng" algn="ctr">
                       <a:solidFill>
-                        <a:schemeClr val="bg1"/>
+                        <a:schemeClr val="tx1"/>
                       </a:solidFill>
                       <a:prstDash val="solid"/>
                       <a:round/>
@@ -6673,10 +6850,7 @@
                       <a:tailEnd type="none" w="med" len="med"/>
                     </a:lnR>
                     <a:solidFill>
-                      <a:schemeClr val="accent3">
-                        <a:lumMod val="60000"/>
-                        <a:lumOff val="40000"/>
-                      </a:schemeClr>
+                      <a:schemeClr val="bg1"/>
                     </a:solidFill>
                   </a:tcPr>
                 </a:tc>
@@ -6711,7 +6885,7 @@
                   <a:tcPr marL="2911" marR="2911" marT="2911" marB="0" anchor="ctr">
                     <a:lnL w="12700" cap="flat" cmpd="sng" algn="ctr">
                       <a:solidFill>
-                        <a:schemeClr val="bg1"/>
+                        <a:schemeClr val="tx1"/>
                       </a:solidFill>
                       <a:prstDash val="solid"/>
                       <a:round/>
@@ -6719,13 +6893,15 @@
                       <a:tailEnd type="none" w="med" len="med"/>
                     </a:lnL>
                     <a:solidFill>
-                      <a:schemeClr val="accent3">
-                        <a:lumMod val="60000"/>
-                        <a:lumOff val="40000"/>
-                      </a:schemeClr>
+                      <a:schemeClr val="bg1"/>
                     </a:solidFill>
                   </a:tcPr>
                 </a:tc>
+                <a:extLst>
+                  <a:ext uri="{0D108BD9-81ED-4DB2-BD59-A6C34878D82A}">
+                    <a16:rowId xmlns:a16="http://schemas.microsoft.com/office/drawing/2014/main" val="10008"/>
+                  </a:ext>
+                </a:extLst>
               </a:tr>
               <a:tr h="236059">
                 <a:tc>
@@ -6759,7 +6935,7 @@
                   <a:tcPr marL="2911" marR="2911" marT="2911" marB="0" anchor="ctr">
                     <a:lnR w="12700" cap="flat" cmpd="sng" algn="ctr">
                       <a:solidFill>
-                        <a:schemeClr val="bg1"/>
+                        <a:schemeClr val="tx1"/>
                       </a:solidFill>
                       <a:prstDash val="solid"/>
                       <a:round/>
@@ -6767,10 +6943,7 @@
                       <a:tailEnd type="none" w="med" len="med"/>
                     </a:lnR>
                     <a:solidFill>
-                      <a:schemeClr val="accent3">
-                        <a:lumMod val="60000"/>
-                        <a:lumOff val="40000"/>
-                      </a:schemeClr>
+                      <a:schemeClr val="bg1"/>
                     </a:solidFill>
                   </a:tcPr>
                 </a:tc>
@@ -6805,7 +6978,7 @@
                   <a:tcPr marL="2911" marR="2911" marT="2911" marB="0" anchor="ctr">
                     <a:lnL w="12700" cap="flat" cmpd="sng" algn="ctr">
                       <a:solidFill>
-                        <a:schemeClr val="bg1"/>
+                        <a:schemeClr val="tx1"/>
                       </a:solidFill>
                       <a:prstDash val="solid"/>
                       <a:round/>
@@ -6814,7 +6987,7 @@
                     </a:lnL>
                     <a:lnR w="12700" cap="flat" cmpd="sng" algn="ctr">
                       <a:solidFill>
-                        <a:schemeClr val="bg1"/>
+                        <a:schemeClr val="tx1"/>
                       </a:solidFill>
                       <a:prstDash val="solid"/>
                       <a:round/>
@@ -6822,10 +6995,7 @@
                       <a:tailEnd type="none" w="med" len="med"/>
                     </a:lnR>
                     <a:solidFill>
-                      <a:schemeClr val="accent3">
-                        <a:lumMod val="60000"/>
-                        <a:lumOff val="40000"/>
-                      </a:schemeClr>
+                      <a:schemeClr val="bg1"/>
                     </a:solidFill>
                   </a:tcPr>
                 </a:tc>
@@ -6860,7 +7030,7 @@
                   <a:tcPr marL="2911" marR="2911" marT="2911" marB="0" anchor="ctr">
                     <a:lnL w="12700" cap="flat" cmpd="sng" algn="ctr">
                       <a:solidFill>
-                        <a:schemeClr val="bg1"/>
+                        <a:schemeClr val="tx1"/>
                       </a:solidFill>
                       <a:prstDash val="solid"/>
                       <a:round/>
@@ -6868,13 +7038,15 @@
                       <a:tailEnd type="none" w="med" len="med"/>
                     </a:lnL>
                     <a:solidFill>
-                      <a:schemeClr val="accent3">
-                        <a:lumMod val="60000"/>
-                        <a:lumOff val="40000"/>
-                      </a:schemeClr>
+                      <a:schemeClr val="bg1"/>
                     </a:solidFill>
                   </a:tcPr>
                 </a:tc>
+                <a:extLst>
+                  <a:ext uri="{0D108BD9-81ED-4DB2-BD59-A6C34878D82A}">
+                    <a16:rowId xmlns:a16="http://schemas.microsoft.com/office/drawing/2014/main" val="10009"/>
+                  </a:ext>
+                </a:extLst>
               </a:tr>
               <a:tr h="236059">
                 <a:tc>
@@ -6908,7 +7080,7 @@
                   <a:tcPr marL="2911" marR="2911" marT="2911" marB="0" anchor="ctr">
                     <a:lnR w="12700" cap="flat" cmpd="sng" algn="ctr">
                       <a:solidFill>
-                        <a:schemeClr val="bg1"/>
+                        <a:schemeClr val="tx1"/>
                       </a:solidFill>
                       <a:prstDash val="solid"/>
                       <a:round/>
@@ -6916,10 +7088,7 @@
                       <a:tailEnd type="none" w="med" len="med"/>
                     </a:lnR>
                     <a:solidFill>
-                      <a:schemeClr val="accent3">
-                        <a:lumMod val="60000"/>
-                        <a:lumOff val="40000"/>
-                      </a:schemeClr>
+                      <a:schemeClr val="bg1"/>
                     </a:solidFill>
                   </a:tcPr>
                 </a:tc>
@@ -6954,7 +7123,7 @@
                   <a:tcPr marL="2911" marR="2911" marT="2911" marB="0" anchor="ctr">
                     <a:lnL w="12700" cap="flat" cmpd="sng" algn="ctr">
                       <a:solidFill>
-                        <a:schemeClr val="bg1"/>
+                        <a:schemeClr val="tx1"/>
                       </a:solidFill>
                       <a:prstDash val="solid"/>
                       <a:round/>
@@ -6963,7 +7132,7 @@
                     </a:lnL>
                     <a:lnR w="12700" cap="flat" cmpd="sng" algn="ctr">
                       <a:solidFill>
-                        <a:schemeClr val="bg1"/>
+                        <a:schemeClr val="tx1"/>
                       </a:solidFill>
                       <a:prstDash val="solid"/>
                       <a:round/>
@@ -6971,10 +7140,7 @@
                       <a:tailEnd type="none" w="med" len="med"/>
                     </a:lnR>
                     <a:solidFill>
-                      <a:schemeClr val="accent3">
-                        <a:lumMod val="60000"/>
-                        <a:lumOff val="40000"/>
-                      </a:schemeClr>
+                      <a:schemeClr val="bg1"/>
                     </a:solidFill>
                   </a:tcPr>
                 </a:tc>
@@ -7009,7 +7175,7 @@
                   <a:tcPr marL="2911" marR="2911" marT="2911" marB="0" anchor="ctr">
                     <a:lnL w="12700" cap="flat" cmpd="sng" algn="ctr">
                       <a:solidFill>
-                        <a:schemeClr val="bg1"/>
+                        <a:schemeClr val="tx1"/>
                       </a:solidFill>
                       <a:prstDash val="solid"/>
                       <a:round/>
@@ -7017,13 +7183,15 @@
                       <a:tailEnd type="none" w="med" len="med"/>
                     </a:lnL>
                     <a:solidFill>
-                      <a:schemeClr val="accent3">
-                        <a:lumMod val="60000"/>
-                        <a:lumOff val="40000"/>
-                      </a:schemeClr>
+                      <a:schemeClr val="bg1"/>
                     </a:solidFill>
                   </a:tcPr>
                 </a:tc>
+                <a:extLst>
+                  <a:ext uri="{0D108BD9-81ED-4DB2-BD59-A6C34878D82A}">
+                    <a16:rowId xmlns:a16="http://schemas.microsoft.com/office/drawing/2014/main" val="10010"/>
+                  </a:ext>
+                </a:extLst>
               </a:tr>
               <a:tr h="193628">
                 <a:tc>
@@ -7057,7 +7225,7 @@
                   <a:tcPr marL="2911" marR="2911" marT="2911" marB="0" anchor="ctr">
                     <a:lnR w="12700" cap="flat" cmpd="sng" algn="ctr">
                       <a:solidFill>
-                        <a:schemeClr val="bg1"/>
+                        <a:schemeClr val="tx1"/>
                       </a:solidFill>
                       <a:prstDash val="solid"/>
                       <a:round/>
@@ -7065,10 +7233,7 @@
                       <a:tailEnd type="none" w="med" len="med"/>
                     </a:lnR>
                     <a:solidFill>
-                      <a:schemeClr val="accent3">
-                        <a:lumMod val="60000"/>
-                        <a:lumOff val="40000"/>
-                      </a:schemeClr>
+                      <a:schemeClr val="bg1"/>
                     </a:solidFill>
                   </a:tcPr>
                 </a:tc>
@@ -7103,7 +7268,7 @@
                   <a:tcPr marL="2911" marR="2911" marT="2911" marB="0" anchor="ctr">
                     <a:lnL w="12700" cap="flat" cmpd="sng" algn="ctr">
                       <a:solidFill>
-                        <a:schemeClr val="bg1"/>
+                        <a:schemeClr val="tx1"/>
                       </a:solidFill>
                       <a:prstDash val="solid"/>
                       <a:round/>
@@ -7112,7 +7277,7 @@
                     </a:lnL>
                     <a:lnR w="12700" cap="flat" cmpd="sng" algn="ctr">
                       <a:solidFill>
-                        <a:schemeClr val="bg1"/>
+                        <a:schemeClr val="tx1"/>
                       </a:solidFill>
                       <a:prstDash val="solid"/>
                       <a:round/>
@@ -7120,10 +7285,7 @@
                       <a:tailEnd type="none" w="med" len="med"/>
                     </a:lnR>
                     <a:solidFill>
-                      <a:schemeClr val="accent3">
-                        <a:lumMod val="60000"/>
-                        <a:lumOff val="40000"/>
-                      </a:schemeClr>
+                      <a:schemeClr val="bg1"/>
                     </a:solidFill>
                   </a:tcPr>
                 </a:tc>
@@ -7158,7 +7320,7 @@
                   <a:tcPr marL="2911" marR="2911" marT="2911" marB="0" anchor="ctr">
                     <a:lnL w="12700" cap="flat" cmpd="sng" algn="ctr">
                       <a:solidFill>
-                        <a:schemeClr val="bg1"/>
+                        <a:schemeClr val="tx1"/>
                       </a:solidFill>
                       <a:prstDash val="solid"/>
                       <a:round/>
@@ -7166,13 +7328,15 @@
                       <a:tailEnd type="none" w="med" len="med"/>
                     </a:lnL>
                     <a:solidFill>
-                      <a:schemeClr val="accent3">
-                        <a:lumMod val="60000"/>
-                        <a:lumOff val="40000"/>
-                      </a:schemeClr>
+                      <a:schemeClr val="bg1"/>
                     </a:solidFill>
                   </a:tcPr>
                 </a:tc>
+                <a:extLst>
+                  <a:ext uri="{0D108BD9-81ED-4DB2-BD59-A6C34878D82A}">
+                    <a16:rowId xmlns:a16="http://schemas.microsoft.com/office/drawing/2014/main" val="10011"/>
+                  </a:ext>
+                </a:extLst>
               </a:tr>
             </a:tbl>
           </a:graphicData>
@@ -7198,7 +7362,7 @@
 </p:sld>
 </file>
 
-<file path=ppt/slides/slide14.xml><?xml version="1.0" encoding="utf-8"?>
+<file path=ppt/slides/slide13.xml><?xml version="1.0" encoding="utf-8"?>
 <p:sld xmlns:a="http://schemas.openxmlformats.org/drawingml/2006/main" xmlns:r="http://schemas.openxmlformats.org/officeDocument/2006/relationships" xmlns:p="http://schemas.openxmlformats.org/presentationml/2006/main">
   <p:cSld>
     <p:spTree>
@@ -7234,7 +7398,11 @@
           <a:p>
             <a:r>
               <a:rPr lang="zh-TW" altLang="en-US" dirty="0"/>
-              <a:t>解決方案</a:t>
+              <a:t>解決</a:t>
+            </a:r>
+            <a:r>
+              <a:rPr lang="zh-TW" altLang="en-US" dirty="0" smtClean="0"/>
+              <a:t>方案</a:t>
             </a:r>
             <a:r>
               <a:rPr lang="en-US" altLang="zh-TW" dirty="0" smtClean="0"/>
@@ -7245,9 +7413,10 @@
               <a:t>社會處</a:t>
             </a:r>
             <a:r>
-              <a:rPr lang="zh-TW" altLang="en-US" dirty="0"/>
-              <a:t>機能地圖</a:t>
-            </a:r>
+              <a:rPr lang="en-US" altLang="zh-TW" dirty="0" smtClean="0"/>
+              <a:t>PIPELINE</a:t>
+            </a:r>
+            <a:endParaRPr lang="zh-TW" altLang="en-US" dirty="0"/>
           </a:p>
         </p:txBody>
       </p:sp>
@@ -7268,213 +7437,7 @@
           <a:p>
             <a:fld id="{458270D0-B830-4E87-A9C7-B662AFD560B4}" type="slidenum">
               <a:rPr lang="zh-TW" altLang="en-US" smtClean="0"/>
-              <a:t>14</a:t>
-            </a:fld>
-            <a:endParaRPr lang="zh-TW" altLang="en-US"/>
-          </a:p>
-        </p:txBody>
-      </p:sp>
-      <p:sp>
-        <p:nvSpPr>
-          <p:cNvPr id="6" name="內容版面配置區 2"/>
-          <p:cNvSpPr>
-            <a:spLocks noGrp="1"/>
-          </p:cNvSpPr>
-          <p:nvPr>
-            <p:ph idx="1"/>
-          </p:nvPr>
-        </p:nvSpPr>
-        <p:spPr>
-          <a:xfrm>
-            <a:off x="457200" y="1049486"/>
-            <a:ext cx="8229600" cy="3394472"/>
-          </a:xfrm>
-        </p:spPr>
-        <p:txBody>
-          <a:bodyPr>
-            <a:normAutofit/>
-          </a:bodyPr>
-          <a:lstStyle/>
-          <a:p>
-            <a:r>
-              <a:rPr lang="en-US" altLang="zh-TW" sz="2000" dirty="0">
-                <a:hlinkClick r:id="rId2"/>
-              </a:rPr>
-              <a:t>https://</a:t>
-            </a:r>
-            <a:r>
-              <a:rPr lang="en-US" altLang="zh-TW" sz="2000" dirty="0" smtClean="0">
-                <a:hlinkClick r:id="rId2"/>
-              </a:rPr>
-              <a:t>hsinchu-whatchdog.herokuapp.com/roadmap/index</a:t>
-            </a:r>
-            <a:endParaRPr lang="en-US" altLang="zh-TW" sz="2000" dirty="0" smtClean="0"/>
-          </a:p>
-          <a:p>
-            <a:endParaRPr lang="zh-TW" altLang="en-US" sz="2000" dirty="0"/>
-          </a:p>
-        </p:txBody>
-      </p:sp>
-      <p:pic>
-        <p:nvPicPr>
-          <p:cNvPr id="4099" name="Picture 3"/>
-          <p:cNvPicPr>
-            <a:picLocks noChangeAspect="1" noChangeArrowheads="1"/>
-          </p:cNvPicPr>
-          <p:nvPr/>
-        </p:nvPicPr>
-        <p:blipFill>
-          <a:blip r:embed="rId3">
-            <a:extLst>
-              <a:ext uri="{28A0092B-C50C-407E-A947-70E740481C1C}">
-                <a14:useLocalDpi xmlns:a14="http://schemas.microsoft.com/office/drawing/2010/main" val="0"/>
-              </a:ext>
-            </a:extLst>
-          </a:blip>
-          <a:srcRect/>
-          <a:stretch>
-            <a:fillRect/>
-          </a:stretch>
-        </p:blipFill>
-        <p:spPr bwMode="auto">
-          <a:xfrm>
-            <a:off x="395535" y="1491630"/>
-            <a:ext cx="8333913" cy="3651870"/>
-          </a:xfrm>
-          <a:prstGeom prst="rect">
-            <a:avLst/>
-          </a:prstGeom>
-          <a:noFill/>
-          <a:ln>
-            <a:noFill/>
-          </a:ln>
-          <a:effectLst/>
-          <a:extLst>
-            <a:ext uri="{909E8E84-426E-40DD-AFC4-6F175D3DCCD1}">
-              <a14:hiddenFill xmlns:a14="http://schemas.microsoft.com/office/drawing/2010/main">
-                <a:solidFill>
-                  <a:schemeClr val="accent1"/>
-                </a:solidFill>
-              </a14:hiddenFill>
-            </a:ext>
-            <a:ext uri="{91240B29-F687-4F45-9708-019B960494DF}">
-              <a14:hiddenLine xmlns:a14="http://schemas.microsoft.com/office/drawing/2010/main" w="9525">
-                <a:solidFill>
-                  <a:schemeClr val="tx1"/>
-                </a:solidFill>
-                <a:miter lim="800000"/>
-                <a:headEnd/>
-                <a:tailEnd/>
-              </a14:hiddenLine>
-            </a:ext>
-            <a:ext uri="{AF507438-7753-43E0-B8FC-AC1667EBCBE1}">
-              <a14:hiddenEffects xmlns:a14="http://schemas.microsoft.com/office/drawing/2010/main">
-                <a:effectLst>
-                  <a:outerShdw dist="35921" dir="2700000" algn="ctr" rotWithShape="0">
-                    <a:schemeClr val="bg2"/>
-                  </a:outerShdw>
-                </a:effectLst>
-              </a14:hiddenEffects>
-            </a:ext>
-          </a:extLst>
-        </p:spPr>
-      </p:pic>
-    </p:spTree>
-    <p:extLst>
-      <p:ext uri="{BB962C8B-B14F-4D97-AF65-F5344CB8AC3E}">
-        <p14:creationId xmlns:p14="http://schemas.microsoft.com/office/powerpoint/2010/main" val="915151046"/>
-      </p:ext>
-    </p:extLst>
-  </p:cSld>
-  <p:clrMapOvr>
-    <a:masterClrMapping/>
-  </p:clrMapOvr>
-  <p:timing>
-    <p:tnLst>
-      <p:par>
-        <p:cTn id="1" dur="indefinite" restart="never" nodeType="tmRoot"/>
-      </p:par>
-    </p:tnLst>
-  </p:timing>
-</p:sld>
-</file>
-
-<file path=ppt/slides/slide15.xml><?xml version="1.0" encoding="utf-8"?>
-<p:sld xmlns:a="http://schemas.openxmlformats.org/drawingml/2006/main" xmlns:r="http://schemas.openxmlformats.org/officeDocument/2006/relationships" xmlns:p="http://schemas.openxmlformats.org/presentationml/2006/main">
-  <p:cSld>
-    <p:spTree>
-      <p:nvGrpSpPr>
-        <p:cNvPr id="1" name=""/>
-        <p:cNvGrpSpPr/>
-        <p:nvPr/>
-      </p:nvGrpSpPr>
-      <p:grpSpPr>
-        <a:xfrm>
-          <a:off x="0" y="0"/>
-          <a:ext cx="0" cy="0"/>
-          <a:chOff x="0" y="0"/>
-          <a:chExt cx="0" cy="0"/>
-        </a:xfrm>
-      </p:grpSpPr>
-      <p:sp>
-        <p:nvSpPr>
-          <p:cNvPr id="2" name="標題 1"/>
-          <p:cNvSpPr>
-            <a:spLocks noGrp="1"/>
-          </p:cNvSpPr>
-          <p:nvPr>
-            <p:ph type="title"/>
-          </p:nvPr>
-        </p:nvSpPr>
-        <p:spPr/>
-        <p:txBody>
-          <a:bodyPr>
-            <a:normAutofit/>
-          </a:bodyPr>
-          <a:lstStyle/>
-          <a:p>
-            <a:r>
-              <a:rPr lang="zh-TW" altLang="en-US" dirty="0"/>
-              <a:t>解決</a:t>
-            </a:r>
-            <a:r>
-              <a:rPr lang="zh-TW" altLang="en-US" dirty="0" smtClean="0"/>
-              <a:t>方案</a:t>
-            </a:r>
-            <a:r>
-              <a:rPr lang="en-US" altLang="zh-TW" dirty="0" smtClean="0"/>
-              <a:t>-</a:t>
-            </a:r>
-            <a:r>
-              <a:rPr lang="zh-TW" altLang="en-US" dirty="0" smtClean="0"/>
-              <a:t>社會處</a:t>
-            </a:r>
-            <a:r>
-              <a:rPr lang="en-US" altLang="zh-TW" dirty="0" smtClean="0"/>
-              <a:t>PIPELINE</a:t>
-            </a:r>
-            <a:endParaRPr lang="zh-TW" altLang="en-US" dirty="0"/>
-          </a:p>
-        </p:txBody>
-      </p:sp>
-      <p:sp>
-        <p:nvSpPr>
-          <p:cNvPr id="4" name="投影片編號版面配置區 3"/>
-          <p:cNvSpPr>
-            <a:spLocks noGrp="1"/>
-          </p:cNvSpPr>
-          <p:nvPr>
-            <p:ph type="sldNum" sz="quarter" idx="12"/>
-          </p:nvPr>
-        </p:nvSpPr>
-        <p:spPr/>
-        <p:txBody>
-          <a:bodyPr/>
-          <a:lstStyle/>
-          <a:p>
-            <a:fld id="{458270D0-B830-4E87-A9C7-B662AFD560B4}" type="slidenum">
-              <a:rPr lang="zh-TW" altLang="en-US" smtClean="0"/>
-              <a:t>15</a:t>
+              <a:t>13</a:t>
             </a:fld>
             <a:endParaRPr lang="zh-TW" altLang="en-US"/>
           </a:p>
@@ -7625,7 +7588,7 @@
 </p:sld>
 </file>
 
-<file path=ppt/slides/slide16.xml><?xml version="1.0" encoding="utf-8"?>
+<file path=ppt/slides/slide14.xml><?xml version="1.0" encoding="utf-8"?>
 <p:sld xmlns:a="http://schemas.openxmlformats.org/drawingml/2006/main" xmlns:r="http://schemas.openxmlformats.org/officeDocument/2006/relationships" xmlns:p="http://schemas.openxmlformats.org/presentationml/2006/main">
   <p:cSld>
     <p:spTree>
@@ -7644,127 +7607,6 @@
       </p:grpSpPr>
       <p:sp>
         <p:nvSpPr>
-          <p:cNvPr id="4" name="標題 3"/>
-          <p:cNvSpPr>
-            <a:spLocks noGrp="1"/>
-          </p:cNvSpPr>
-          <p:nvPr>
-            <p:ph type="ctrTitle"/>
-          </p:nvPr>
-        </p:nvSpPr>
-        <p:spPr>
-          <a:xfrm>
-            <a:off x="904056" y="2045295"/>
-            <a:ext cx="7772400" cy="1102519"/>
-          </a:xfrm>
-        </p:spPr>
-        <p:txBody>
-          <a:bodyPr>
-            <a:normAutofit/>
-          </a:bodyPr>
-          <a:lstStyle/>
-          <a:p>
-            <a:r>
-              <a:rPr lang="en-US" altLang="zh-TW" sz="4800" b="1" dirty="0"/>
-              <a:t>DEMO</a:t>
-            </a:r>
-            <a:endParaRPr lang="zh-TW" altLang="en-US" sz="4800" b="1" dirty="0"/>
-          </a:p>
-        </p:txBody>
-      </p:sp>
-      <p:pic>
-        <p:nvPicPr>
-          <p:cNvPr id="2" name="圖片 1"/>
-          <p:cNvPicPr>
-            <a:picLocks noChangeAspect="1"/>
-          </p:cNvPicPr>
-          <p:nvPr/>
-        </p:nvPicPr>
-        <p:blipFill>
-          <a:blip r:embed="rId2" cstate="print">
-            <a:extLst>
-              <a:ext uri="{28A0092B-C50C-407E-A947-70E740481C1C}">
-                <a14:useLocalDpi xmlns:a14="http://schemas.microsoft.com/office/drawing/2010/main" val="0"/>
-              </a:ext>
-            </a:extLst>
-          </a:blip>
-          <a:stretch>
-            <a:fillRect/>
-          </a:stretch>
-        </p:blipFill>
-        <p:spPr>
-          <a:xfrm>
-            <a:off x="2555776" y="1968439"/>
-            <a:ext cx="1224136" cy="1323391"/>
-          </a:xfrm>
-          <a:prstGeom prst="roundRect">
-            <a:avLst>
-              <a:gd name="adj" fmla="val 21879"/>
-            </a:avLst>
-          </a:prstGeom>
-          <a:ln>
-            <a:noFill/>
-          </a:ln>
-          <a:effectLst>
-            <a:outerShdw blurRad="76200" dist="38100" dir="7800000" algn="tl" rotWithShape="0">
-              <a:srgbClr val="000000">
-                <a:alpha val="40000"/>
-              </a:srgbClr>
-            </a:outerShdw>
-          </a:effectLst>
-          <a:scene3d>
-            <a:camera prst="orthographicFront"/>
-            <a:lightRig rig="contrasting" dir="t">
-              <a:rot lat="0" lon="0" rev="4200000"/>
-            </a:lightRig>
-          </a:scene3d>
-          <a:sp3d prstMaterial="plastic">
-            <a:bevelT w="381000" h="114300" prst="relaxedInset"/>
-            <a:contourClr>
-              <a:srgbClr val="969696"/>
-            </a:contourClr>
-          </a:sp3d>
-        </p:spPr>
-      </p:pic>
-    </p:spTree>
-    <p:extLst>
-      <p:ext uri="{BB962C8B-B14F-4D97-AF65-F5344CB8AC3E}">
-        <p14:creationId xmlns:p14="http://schemas.microsoft.com/office/powerpoint/2010/main" val="2880961544"/>
-      </p:ext>
-    </p:extLst>
-  </p:cSld>
-  <p:clrMapOvr>
-    <a:masterClrMapping/>
-  </p:clrMapOvr>
-  <p:timing>
-    <p:tnLst>
-      <p:par>
-        <p:cTn id="1" dur="indefinite" restart="never" nodeType="tmRoot"/>
-      </p:par>
-    </p:tnLst>
-  </p:timing>
-</p:sld>
-</file>
-
-<file path=ppt/slides/slide17.xml><?xml version="1.0" encoding="utf-8"?>
-<p:sld xmlns:a="http://schemas.openxmlformats.org/drawingml/2006/main" xmlns:r="http://schemas.openxmlformats.org/officeDocument/2006/relationships" xmlns:p="http://schemas.openxmlformats.org/presentationml/2006/main">
-  <p:cSld>
-    <p:spTree>
-      <p:nvGrpSpPr>
-        <p:cNvPr id="1" name=""/>
-        <p:cNvGrpSpPr/>
-        <p:nvPr/>
-      </p:nvGrpSpPr>
-      <p:grpSpPr>
-        <a:xfrm>
-          <a:off x="0" y="0"/>
-          <a:ext cx="0" cy="0"/>
-          <a:chOff x="0" y="0"/>
-          <a:chExt cx="0" cy="0"/>
-        </a:xfrm>
-      </p:grpSpPr>
-      <p:sp>
-        <p:nvSpPr>
           <p:cNvPr id="2" name="標題 1"/>
           <p:cNvSpPr>
             <a:spLocks noGrp="1"/>
@@ -7803,7 +7645,7 @@
           <a:p>
             <a:fld id="{458270D0-B830-4E87-A9C7-B662AFD560B4}" type="slidenum">
               <a:rPr lang="zh-TW" altLang="en-US" smtClean="0"/>
-              <a:t>17</a:t>
+              <a:t>14</a:t>
             </a:fld>
             <a:endParaRPr lang="zh-TW" altLang="en-US"/>
           </a:p>
@@ -7893,7 +7735,7 @@
 </p:sld>
 </file>
 
-<file path=ppt/slides/slide18.xml><?xml version="1.0" encoding="utf-8"?>
+<file path=ppt/slides/slide15.xml><?xml version="1.0" encoding="utf-8"?>
 <p:sld xmlns:a="http://schemas.openxmlformats.org/drawingml/2006/main" xmlns:r="http://schemas.openxmlformats.org/officeDocument/2006/relationships" xmlns:p="http://schemas.openxmlformats.org/presentationml/2006/main">
   <p:cSld>
     <p:spTree>
@@ -7922,7 +7764,7 @@
         </p:nvSpPr>
         <p:spPr>
           <a:xfrm>
-            <a:off x="832048" y="2045295"/>
+            <a:off x="904056" y="2045295"/>
             <a:ext cx="7772400" cy="1102519"/>
           </a:xfrm>
         </p:spPr>
@@ -7933,28 +7775,8 @@
           <a:lstStyle/>
           <a:p>
             <a:r>
-              <a:rPr lang="en-US" altLang="zh-TW" sz="4800" b="1" dirty="0" smtClean="0"/>
-              <a:t>Q</a:t>
-            </a:r>
-            <a:r>
-              <a:rPr lang="zh-TW" altLang="en-US" sz="4800" b="1" dirty="0" smtClean="0"/>
-              <a:t> </a:t>
-            </a:r>
-            <a:r>
-              <a:rPr lang="en-US" altLang="zh-TW" sz="4800" b="1" dirty="0" smtClean="0"/>
-              <a:t>&amp;</a:t>
-            </a:r>
-            <a:r>
-              <a:rPr lang="zh-TW" altLang="en-US" sz="4800" b="1" dirty="0" smtClean="0"/>
-              <a:t> </a:t>
-            </a:r>
-            <a:r>
-              <a:rPr lang="en-US" altLang="zh-TW" sz="4800" b="1" dirty="0" smtClean="0"/>
-              <a:t>A</a:t>
-            </a:r>
-            <a:r>
-              <a:rPr lang="zh-TW" altLang="en-US" sz="4800" b="1" dirty="0" smtClean="0"/>
-              <a:t> </a:t>
+              <a:rPr lang="en-US" altLang="zh-TW" sz="4800" b="1" dirty="0"/>
+              <a:t>DEMO</a:t>
             </a:r>
             <a:endParaRPr lang="zh-TW" altLang="en-US" sz="4800" b="1" dirty="0"/>
           </a:p>
@@ -7962,7 +7784,7 @@
       </p:sp>
       <p:pic>
         <p:nvPicPr>
-          <p:cNvPr id="3" name="圖片 2"/>
+          <p:cNvPr id="2" name="圖片 1"/>
           <p:cNvPicPr>
             <a:picLocks noChangeAspect="1"/>
           </p:cNvPicPr>
@@ -8017,7 +7839,7 @@
     </p:spTree>
     <p:extLst>
       <p:ext uri="{BB962C8B-B14F-4D97-AF65-F5344CB8AC3E}">
-        <p14:creationId xmlns:p14="http://schemas.microsoft.com/office/powerpoint/2010/main" val="4094896321"/>
+        <p14:creationId xmlns:p14="http://schemas.microsoft.com/office/powerpoint/2010/main" val="2880961544"/>
       </p:ext>
     </p:extLst>
   </p:cSld>
@@ -8093,7 +7915,7 @@
           </a:xfrm>
         </p:spPr>
         <p:txBody>
-          <a:bodyPr>
+          <a:bodyPr vert="horz" lIns="91440" tIns="45720" rIns="91440" bIns="45720" rtlCol="0">
             <a:normAutofit/>
           </a:bodyPr>
           <a:lstStyle/>
@@ -8104,10 +7926,9 @@
               </a:lnSpc>
             </a:pPr>
             <a:r>
-              <a:rPr lang="zh-TW" altLang="en-US" sz="2400" dirty="0" smtClean="0"/>
-              <a:t>新竹市政府社會處便民服務常見問答集</a:t>
-            </a:r>
-            <a:endParaRPr lang="en-US" altLang="zh-TW" sz="2400" dirty="0" smtClean="0"/>
+              <a:rPr lang="zh-TW" altLang="en-US" sz="2400" dirty="0"/>
+              <a:t>新竹市政府資料開放平台</a:t>
+            </a:r>
           </a:p>
         </p:txBody>
       </p:sp>
@@ -8119,15 +7940,15 @@
         </p:nvSpPr>
         <p:spPr>
           <a:xfrm>
-            <a:off x="395536" y="1864343"/>
-            <a:ext cx="4572000" cy="2677656"/>
+            <a:off x="323528" y="1864343"/>
+            <a:ext cx="4896544" cy="2677656"/>
           </a:xfrm>
           <a:prstGeom prst="rect">
             <a:avLst/>
           </a:prstGeom>
         </p:spPr>
         <p:txBody>
-          <a:bodyPr>
+          <a:bodyPr wrap="square">
             <a:spAutoFit/>
           </a:bodyPr>
           <a:lstStyle/>
@@ -8141,12 +7962,39 @@
               </a:buBlip>
             </a:pPr>
             <a:r>
-              <a:rPr lang="zh-TW" altLang="en-US" sz="2000" dirty="0" smtClean="0">
+              <a:rPr lang="zh-TW" altLang="en-US" sz="2000" dirty="0">
                 <a:latin typeface="微軟正黑體" pitchFamily="34" charset="-120"/>
                 <a:ea typeface="微軟正黑體" pitchFamily="34" charset="-120"/>
               </a:rPr>
-              <a:t>幼兒福利及托育服務</a:t>
-            </a:r>
+              <a:t>新竹市政府社會處便民</a:t>
+            </a:r>
+            <a:r>
+              <a:rPr lang="zh-TW" altLang="en-US" sz="2000" dirty="0">
+                <a:solidFill>
+                  <a:srgbClr val="FF0000"/>
+                </a:solidFill>
+                <a:latin typeface="微軟正黑體" pitchFamily="34" charset="-120"/>
+                <a:ea typeface="微軟正黑體" pitchFamily="34" charset="-120"/>
+              </a:rPr>
+              <a:t>服務問答</a:t>
+            </a:r>
+            <a:r>
+              <a:rPr lang="zh-TW" altLang="en-US" sz="2000" dirty="0" smtClean="0">
+                <a:solidFill>
+                  <a:srgbClr val="FF0000"/>
+                </a:solidFill>
+                <a:latin typeface="微軟正黑體" pitchFamily="34" charset="-120"/>
+                <a:ea typeface="微軟正黑體" pitchFamily="34" charset="-120"/>
+              </a:rPr>
+              <a:t>集</a:t>
+            </a:r>
+            <a:endParaRPr lang="en-US" altLang="zh-TW" sz="2000" dirty="0" smtClean="0">
+              <a:solidFill>
+                <a:srgbClr val="FF0000"/>
+              </a:solidFill>
+              <a:latin typeface="微軟正黑體" pitchFamily="34" charset="-120"/>
+              <a:ea typeface="微軟正黑體" pitchFamily="34" charset="-120"/>
+            </a:endParaRPr>
           </a:p>
           <a:p>
             <a:pPr marL="800100" lvl="1" indent="-342900">
@@ -8162,7 +8010,14 @@
                 <a:latin typeface="微軟正黑體" pitchFamily="34" charset="-120"/>
                 <a:ea typeface="微軟正黑體" pitchFamily="34" charset="-120"/>
               </a:rPr>
-              <a:t>兒童少年及家庭福利</a:t>
+              <a:t>新竹市</a:t>
+            </a:r>
+            <a:r>
+              <a:rPr lang="zh-TW" altLang="en-US" sz="2000" dirty="0">
+                <a:latin typeface="微軟正黑體" pitchFamily="34" charset="-120"/>
+                <a:ea typeface="微軟正黑體" pitchFamily="34" charset="-120"/>
+              </a:rPr>
+              <a:t>幼兒園名錄</a:t>
             </a:r>
           </a:p>
           <a:p>
@@ -8175,12 +8030,23 @@
               </a:buBlip>
             </a:pPr>
             <a:r>
+              <a:rPr lang="zh-TW" altLang="en-US" sz="2000" dirty="0">
+                <a:latin typeface="微軟正黑體" pitchFamily="34" charset="-120"/>
+                <a:ea typeface="微軟正黑體" pitchFamily="34" charset="-120"/>
+              </a:rPr>
+              <a:t>新竹市依法設置哺集乳室</a:t>
+            </a:r>
+            <a:r>
               <a:rPr lang="zh-TW" altLang="en-US" sz="2000" dirty="0" smtClean="0">
                 <a:latin typeface="微軟正黑體" pitchFamily="34" charset="-120"/>
                 <a:ea typeface="微軟正黑體" pitchFamily="34" charset="-120"/>
               </a:rPr>
-              <a:t>婦女福利</a:t>
-            </a:r>
+              <a:t>名單</a:t>
+            </a:r>
+            <a:endParaRPr lang="en-US" altLang="zh-TW" sz="2000" dirty="0" smtClean="0">
+              <a:latin typeface="微軟正黑體" pitchFamily="34" charset="-120"/>
+              <a:ea typeface="微軟正黑體" pitchFamily="34" charset="-120"/>
+            </a:endParaRPr>
           </a:p>
           <a:p>
             <a:pPr marL="800100" lvl="1" indent="-342900">
@@ -8192,11 +8058,11 @@
               </a:buBlip>
             </a:pPr>
             <a:r>
-              <a:rPr lang="zh-TW" altLang="en-US" sz="2000" dirty="0" smtClean="0">
+              <a:rPr lang="zh-TW" altLang="en-US" sz="2000" dirty="0">
                 <a:latin typeface="微軟正黑體" pitchFamily="34" charset="-120"/>
                 <a:ea typeface="微軟正黑體" pitchFamily="34" charset="-120"/>
               </a:rPr>
-              <a:t>老人福利</a:t>
+              <a:t>新竹市老人福利機構一覽表</a:t>
             </a:r>
           </a:p>
           <a:p>
@@ -8209,12 +8075,23 @@
               </a:buBlip>
             </a:pPr>
             <a:r>
+              <a:rPr lang="zh-TW" altLang="en-US" sz="2000" dirty="0">
+                <a:latin typeface="微軟正黑體" pitchFamily="34" charset="-120"/>
+                <a:ea typeface="微軟正黑體" pitchFamily="34" charset="-120"/>
+              </a:rPr>
+              <a:t>新竹市醫療機構西醫地址電話</a:t>
+            </a:r>
+            <a:r>
               <a:rPr lang="zh-TW" altLang="en-US" sz="2000" dirty="0" smtClean="0">
                 <a:latin typeface="微軟正黑體" pitchFamily="34" charset="-120"/>
                 <a:ea typeface="微軟正黑體" pitchFamily="34" charset="-120"/>
               </a:rPr>
-              <a:t>身心障礙者福利</a:t>
-            </a:r>
+              <a:t>名冊</a:t>
+            </a:r>
+            <a:endParaRPr lang="en-US" altLang="zh-TW" sz="2000" dirty="0" smtClean="0">
+              <a:latin typeface="微軟正黑體" pitchFamily="34" charset="-120"/>
+              <a:ea typeface="微軟正黑體" pitchFamily="34" charset="-120"/>
+            </a:endParaRPr>
           </a:p>
           <a:p>
             <a:pPr marL="800100" lvl="1" indent="-342900">
@@ -8226,11 +8103,18 @@
               </a:buBlip>
             </a:pPr>
             <a:r>
+              <a:rPr lang="zh-TW" altLang="en-US" sz="2000" dirty="0">
+                <a:latin typeface="微軟正黑體" pitchFamily="34" charset="-120"/>
+                <a:ea typeface="微軟正黑體" pitchFamily="34" charset="-120"/>
+              </a:rPr>
+              <a:t>新竹市門診戒菸合約醫療院所</a:t>
+            </a:r>
+            <a:r>
               <a:rPr lang="zh-TW" altLang="en-US" sz="2000" dirty="0" smtClean="0">
                 <a:latin typeface="微軟正黑體" pitchFamily="34" charset="-120"/>
                 <a:ea typeface="微軟正黑體" pitchFamily="34" charset="-120"/>
               </a:rPr>
-              <a:t>社會救助</a:t>
+              <a:t>名冊</a:t>
             </a:r>
           </a:p>
           <a:p>
@@ -8247,8 +8131,19 @@
                 <a:latin typeface="微軟正黑體" pitchFamily="34" charset="-120"/>
                 <a:ea typeface="微軟正黑體" pitchFamily="34" charset="-120"/>
               </a:rPr>
-              <a:t>家庭暴力及性侵害防治服務</a:t>
-            </a:r>
+              <a:t>新竹市醫療機構牙醫診所</a:t>
+            </a:r>
+            <a:r>
+              <a:rPr lang="zh-TW" altLang="en-US" sz="2000" dirty="0" smtClean="0">
+                <a:latin typeface="微軟正黑體" pitchFamily="34" charset="-120"/>
+                <a:ea typeface="微軟正黑體" pitchFamily="34" charset="-120"/>
+              </a:rPr>
+              <a:t>名冊</a:t>
+            </a:r>
+            <a:endParaRPr lang="en-US" altLang="zh-TW" sz="2000" dirty="0" smtClean="0">
+              <a:latin typeface="微軟正黑體" pitchFamily="34" charset="-120"/>
+              <a:ea typeface="微軟正黑體" pitchFamily="34" charset="-120"/>
+            </a:endParaRPr>
           </a:p>
         </p:txBody>
       </p:sp>
@@ -8260,15 +8155,15 @@
         </p:nvSpPr>
         <p:spPr>
           <a:xfrm>
-            <a:off x="4644008" y="1851670"/>
-            <a:ext cx="4572000" cy="2308324"/>
+            <a:off x="4896544" y="1851670"/>
+            <a:ext cx="3851920" cy="1569660"/>
           </a:xfrm>
           <a:prstGeom prst="rect">
             <a:avLst/>
           </a:prstGeom>
         </p:spPr>
         <p:txBody>
-          <a:bodyPr>
+          <a:bodyPr wrap="square">
             <a:spAutoFit/>
           </a:bodyPr>
           <a:lstStyle/>
@@ -8286,8 +8181,26 @@
                 <a:latin typeface="微軟正黑體" pitchFamily="34" charset="-120"/>
                 <a:ea typeface="微軟正黑體" pitchFamily="34" charset="-120"/>
               </a:rPr>
-              <a:t>社工專業服務</a:t>
-            </a:r>
+              <a:t>新竹市</a:t>
+            </a:r>
+            <a:r>
+              <a:rPr lang="zh-TW" altLang="en-US" sz="2000" dirty="0">
+                <a:latin typeface="微軟正黑體" pitchFamily="34" charset="-120"/>
+                <a:ea typeface="微軟正黑體" pitchFamily="34" charset="-120"/>
+              </a:rPr>
+              <a:t>中醫診所</a:t>
+            </a:r>
+            <a:r>
+              <a:rPr lang="zh-TW" altLang="en-US" sz="2000" dirty="0" smtClean="0">
+                <a:latin typeface="微軟正黑體" pitchFamily="34" charset="-120"/>
+                <a:ea typeface="微軟正黑體" pitchFamily="34" charset="-120"/>
+              </a:rPr>
+              <a:t>名冊</a:t>
+            </a:r>
+            <a:endParaRPr lang="en-US" altLang="zh-TW" sz="2000" dirty="0" smtClean="0">
+              <a:latin typeface="微軟正黑體" pitchFamily="34" charset="-120"/>
+              <a:ea typeface="微軟正黑體" pitchFamily="34" charset="-120"/>
+            </a:endParaRPr>
           </a:p>
           <a:p>
             <a:pPr marL="800100" lvl="1" indent="-342900">
@@ -8303,7 +8216,14 @@
                 <a:latin typeface="微軟正黑體" pitchFamily="34" charset="-120"/>
                 <a:ea typeface="微軟正黑體" pitchFamily="34" charset="-120"/>
               </a:rPr>
-              <a:t>社區發展服務</a:t>
+              <a:t>新竹市</a:t>
+            </a:r>
+            <a:r>
+              <a:rPr lang="zh-TW" altLang="en-US" sz="2000" dirty="0">
+                <a:latin typeface="微軟正黑體" pitchFamily="34" charset="-120"/>
+                <a:ea typeface="微軟正黑體" pitchFamily="34" charset="-120"/>
+              </a:rPr>
+              <a:t>動物醫院</a:t>
             </a:r>
           </a:p>
           <a:p>
@@ -8320,7 +8240,14 @@
                 <a:latin typeface="微軟正黑體" pitchFamily="34" charset="-120"/>
                 <a:ea typeface="微軟正黑體" pitchFamily="34" charset="-120"/>
               </a:rPr>
-              <a:t>人民團體及合作社場服務</a:t>
+              <a:t>新竹市</a:t>
+            </a:r>
+            <a:r>
+              <a:rPr lang="zh-TW" altLang="en-US" sz="2000" dirty="0">
+                <a:latin typeface="微軟正黑體" pitchFamily="34" charset="-120"/>
+                <a:ea typeface="微軟正黑體" pitchFamily="34" charset="-120"/>
+              </a:rPr>
+              <a:t>公共圖書館通訊</a:t>
             </a:r>
           </a:p>
           <a:p>
@@ -8333,45 +8260,18 @@
               </a:buBlip>
             </a:pPr>
             <a:r>
+              <a:rPr lang="zh-TW" altLang="en-US" sz="2000" dirty="0">
+                <a:latin typeface="微軟正黑體" pitchFamily="34" charset="-120"/>
+                <a:ea typeface="微軟正黑體" pitchFamily="34" charset="-120"/>
+              </a:rPr>
+              <a:t>新竹市終身教育學習</a:t>
+            </a:r>
+            <a:r>
               <a:rPr lang="zh-TW" altLang="en-US" sz="2000" dirty="0" smtClean="0">
                 <a:latin typeface="微軟正黑體" pitchFamily="34" charset="-120"/>
                 <a:ea typeface="微軟正黑體" pitchFamily="34" charset="-120"/>
               </a:rPr>
-              <a:t>志願服務</a:t>
-            </a:r>
-          </a:p>
-          <a:p>
-            <a:pPr marL="800100" lvl="1" indent="-342900">
-              <a:lnSpc>
-                <a:spcPct val="120000"/>
-              </a:lnSpc>
-              <a:buBlip>
-                <a:blip r:embed="rId2"/>
-              </a:buBlip>
-            </a:pPr>
-            <a:r>
-              <a:rPr lang="zh-TW" altLang="en-US" sz="2000" dirty="0" smtClean="0">
-                <a:latin typeface="微軟正黑體" pitchFamily="34" charset="-120"/>
-                <a:ea typeface="微軟正黑體" pitchFamily="34" charset="-120"/>
-              </a:rPr>
-              <a:t>國民年金</a:t>
-            </a:r>
-          </a:p>
-          <a:p>
-            <a:pPr marL="800100" lvl="1" indent="-342900">
-              <a:lnSpc>
-                <a:spcPct val="120000"/>
-              </a:lnSpc>
-              <a:buBlip>
-                <a:blip r:embed="rId2"/>
-              </a:buBlip>
-            </a:pPr>
-            <a:r>
-              <a:rPr lang="zh-TW" altLang="en-US" sz="2000" dirty="0" smtClean="0">
-                <a:latin typeface="微軟正黑體" pitchFamily="34" charset="-120"/>
-                <a:ea typeface="微軟正黑體" pitchFamily="34" charset="-120"/>
-              </a:rPr>
-              <a:t>公益勸募</a:t>
+              <a:t>地圖</a:t>
             </a:r>
             <a:endParaRPr lang="zh-TW" altLang="en-US" sz="2000" dirty="0">
               <a:latin typeface="微軟正黑體" pitchFamily="34" charset="-120"/>
@@ -8406,7 +8306,7 @@
     </p:spTree>
     <p:extLst>
       <p:ext uri="{BB962C8B-B14F-4D97-AF65-F5344CB8AC3E}">
-        <p14:creationId xmlns:p14="http://schemas.microsoft.com/office/powerpoint/2010/main" val="526436528"/>
+        <p14:creationId xmlns:p14="http://schemas.microsoft.com/office/powerpoint/2010/main" val="3646323723"/>
       </p:ext>
     </p:extLst>
   </p:cSld>
@@ -8458,347 +8358,27 @@
           <a:lstStyle/>
           <a:p>
             <a:r>
+              <a:rPr lang="zh-TW" altLang="en-US" dirty="0"/>
+              <a:t>解決方案</a:t>
+            </a:r>
+            <a:r>
+              <a:rPr lang="en-US" altLang="zh-TW" dirty="0" smtClean="0"/>
+              <a:t>-</a:t>
+            </a:r>
+            <a:r>
               <a:rPr lang="zh-TW" altLang="en-US" dirty="0" smtClean="0"/>
-              <a:t>使用的資料集</a:t>
-            </a:r>
-            <a:endParaRPr lang="zh-TW" altLang="en-US" dirty="0"/>
+              <a:t>社會處</a:t>
+            </a:r>
+            <a:r>
+              <a:rPr lang="zh-TW" altLang="en-US" dirty="0"/>
+              <a:t>機能地圖</a:t>
+            </a:r>
           </a:p>
         </p:txBody>
       </p:sp>
       <p:sp>
         <p:nvSpPr>
-          <p:cNvPr id="3" name="內容版面配置區 2"/>
-          <p:cNvSpPr>
-            <a:spLocks noGrp="1"/>
-          </p:cNvSpPr>
-          <p:nvPr>
-            <p:ph idx="1"/>
-          </p:nvPr>
-        </p:nvSpPr>
-        <p:spPr>
-          <a:xfrm>
-            <a:off x="457200" y="1200151"/>
-            <a:ext cx="8229600" cy="579511"/>
-          </a:xfrm>
-        </p:spPr>
-        <p:txBody>
-          <a:bodyPr vert="horz" lIns="91440" tIns="45720" rIns="91440" bIns="45720" rtlCol="0">
-            <a:normAutofit/>
-          </a:bodyPr>
-          <a:lstStyle/>
-          <a:p>
-            <a:pPr>
-              <a:lnSpc>
-                <a:spcPct val="120000"/>
-              </a:lnSpc>
-            </a:pPr>
-            <a:r>
-              <a:rPr lang="zh-TW" altLang="en-US" sz="2400" dirty="0"/>
-              <a:t>新竹市政府資料開放平台</a:t>
-            </a:r>
-          </a:p>
-        </p:txBody>
-      </p:sp>
-      <p:sp>
-        <p:nvSpPr>
-          <p:cNvPr id="5" name="矩形 4"/>
-          <p:cNvSpPr/>
-          <p:nvPr/>
-        </p:nvSpPr>
-        <p:spPr>
-          <a:xfrm>
-            <a:off x="323528" y="1864343"/>
-            <a:ext cx="4896544" cy="2308324"/>
-          </a:xfrm>
-          <a:prstGeom prst="rect">
-            <a:avLst/>
-          </a:prstGeom>
-        </p:spPr>
-        <p:txBody>
-          <a:bodyPr wrap="square">
-            <a:spAutoFit/>
-          </a:bodyPr>
-          <a:lstStyle/>
-          <a:p>
-            <a:pPr marL="800100" lvl="1" indent="-342900">
-              <a:lnSpc>
-                <a:spcPct val="120000"/>
-              </a:lnSpc>
-              <a:buBlip>
-                <a:blip r:embed="rId2"/>
-              </a:buBlip>
-            </a:pPr>
-            <a:r>
-              <a:rPr lang="zh-TW" altLang="en-US" sz="2000" dirty="0" smtClean="0">
-                <a:latin typeface="微軟正黑體" pitchFamily="34" charset="-120"/>
-                <a:ea typeface="微軟正黑體" pitchFamily="34" charset="-120"/>
-              </a:rPr>
-              <a:t>新竹市</a:t>
-            </a:r>
-            <a:r>
-              <a:rPr lang="zh-TW" altLang="en-US" sz="2000" dirty="0">
-                <a:latin typeface="微軟正黑體" pitchFamily="34" charset="-120"/>
-                <a:ea typeface="微軟正黑體" pitchFamily="34" charset="-120"/>
-              </a:rPr>
-              <a:t>幼兒園名錄</a:t>
-            </a:r>
-          </a:p>
-          <a:p>
-            <a:pPr marL="800100" lvl="1" indent="-342900">
-              <a:lnSpc>
-                <a:spcPct val="120000"/>
-              </a:lnSpc>
-              <a:buBlip>
-                <a:blip r:embed="rId2"/>
-              </a:buBlip>
-            </a:pPr>
-            <a:r>
-              <a:rPr lang="zh-TW" altLang="en-US" sz="2000" dirty="0">
-                <a:latin typeface="微軟正黑體" pitchFamily="34" charset="-120"/>
-                <a:ea typeface="微軟正黑體" pitchFamily="34" charset="-120"/>
-              </a:rPr>
-              <a:t>新竹市依法設置哺集乳室</a:t>
-            </a:r>
-            <a:r>
-              <a:rPr lang="zh-TW" altLang="en-US" sz="2000" dirty="0" smtClean="0">
-                <a:latin typeface="微軟正黑體" pitchFamily="34" charset="-120"/>
-                <a:ea typeface="微軟正黑體" pitchFamily="34" charset="-120"/>
-              </a:rPr>
-              <a:t>名單</a:t>
-            </a:r>
-            <a:endParaRPr lang="en-US" altLang="zh-TW" sz="2000" dirty="0" smtClean="0">
-              <a:latin typeface="微軟正黑體" pitchFamily="34" charset="-120"/>
-              <a:ea typeface="微軟正黑體" pitchFamily="34" charset="-120"/>
-            </a:endParaRPr>
-          </a:p>
-          <a:p>
-            <a:pPr marL="800100" lvl="1" indent="-342900">
-              <a:lnSpc>
-                <a:spcPct val="120000"/>
-              </a:lnSpc>
-              <a:buBlip>
-                <a:blip r:embed="rId2"/>
-              </a:buBlip>
-            </a:pPr>
-            <a:r>
-              <a:rPr lang="zh-TW" altLang="en-US" sz="2000" dirty="0">
-                <a:latin typeface="微軟正黑體" pitchFamily="34" charset="-120"/>
-                <a:ea typeface="微軟正黑體" pitchFamily="34" charset="-120"/>
-              </a:rPr>
-              <a:t>新竹市老人福利機構一覽表</a:t>
-            </a:r>
-          </a:p>
-          <a:p>
-            <a:pPr marL="800100" lvl="1" indent="-342900">
-              <a:lnSpc>
-                <a:spcPct val="120000"/>
-              </a:lnSpc>
-              <a:buBlip>
-                <a:blip r:embed="rId2"/>
-              </a:buBlip>
-            </a:pPr>
-            <a:r>
-              <a:rPr lang="zh-TW" altLang="en-US" sz="2000" dirty="0">
-                <a:latin typeface="微軟正黑體" pitchFamily="34" charset="-120"/>
-                <a:ea typeface="微軟正黑體" pitchFamily="34" charset="-120"/>
-              </a:rPr>
-              <a:t>新竹市醫療機構西醫地址電話</a:t>
-            </a:r>
-            <a:r>
-              <a:rPr lang="zh-TW" altLang="en-US" sz="2000" dirty="0" smtClean="0">
-                <a:latin typeface="微軟正黑體" pitchFamily="34" charset="-120"/>
-                <a:ea typeface="微軟正黑體" pitchFamily="34" charset="-120"/>
-              </a:rPr>
-              <a:t>名冊</a:t>
-            </a:r>
-            <a:endParaRPr lang="en-US" altLang="zh-TW" sz="2000" dirty="0" smtClean="0">
-              <a:latin typeface="微軟正黑體" pitchFamily="34" charset="-120"/>
-              <a:ea typeface="微軟正黑體" pitchFamily="34" charset="-120"/>
-            </a:endParaRPr>
-          </a:p>
-          <a:p>
-            <a:pPr marL="800100" lvl="1" indent="-342900">
-              <a:lnSpc>
-                <a:spcPct val="120000"/>
-              </a:lnSpc>
-              <a:buBlip>
-                <a:blip r:embed="rId2"/>
-              </a:buBlip>
-            </a:pPr>
-            <a:r>
-              <a:rPr lang="zh-TW" altLang="en-US" sz="2000" dirty="0">
-                <a:latin typeface="微軟正黑體" pitchFamily="34" charset="-120"/>
-                <a:ea typeface="微軟正黑體" pitchFamily="34" charset="-120"/>
-              </a:rPr>
-              <a:t>新竹市門診戒菸合約醫療院所</a:t>
-            </a:r>
-            <a:r>
-              <a:rPr lang="zh-TW" altLang="en-US" sz="2000" dirty="0" smtClean="0">
-                <a:latin typeface="微軟正黑體" pitchFamily="34" charset="-120"/>
-                <a:ea typeface="微軟正黑體" pitchFamily="34" charset="-120"/>
-              </a:rPr>
-              <a:t>名冊</a:t>
-            </a:r>
-          </a:p>
-          <a:p>
-            <a:pPr marL="800100" lvl="1" indent="-342900">
-              <a:lnSpc>
-                <a:spcPct val="120000"/>
-              </a:lnSpc>
-              <a:buBlip>
-                <a:blip r:embed="rId2"/>
-              </a:buBlip>
-            </a:pPr>
-            <a:r>
-              <a:rPr lang="zh-TW" altLang="en-US" sz="2000" dirty="0" smtClean="0">
-                <a:latin typeface="微軟正黑體" pitchFamily="34" charset="-120"/>
-                <a:ea typeface="微軟正黑體" pitchFamily="34" charset="-120"/>
-              </a:rPr>
-              <a:t>新竹市醫療機構牙醫診所名冊</a:t>
-            </a:r>
-            <a:endParaRPr lang="zh-TW" altLang="en-US" sz="2000" dirty="0">
-              <a:latin typeface="微軟正黑體" pitchFamily="34" charset="-120"/>
-              <a:ea typeface="微軟正黑體" pitchFamily="34" charset="-120"/>
-            </a:endParaRPr>
-          </a:p>
-        </p:txBody>
-      </p:sp>
-      <p:sp>
-        <p:nvSpPr>
-          <p:cNvPr id="6" name="矩形 5"/>
-          <p:cNvSpPr/>
-          <p:nvPr/>
-        </p:nvSpPr>
-        <p:spPr>
-          <a:xfrm>
-            <a:off x="4896544" y="1851670"/>
-            <a:ext cx="3851920" cy="1569660"/>
-          </a:xfrm>
-          <a:prstGeom prst="rect">
-            <a:avLst/>
-          </a:prstGeom>
-        </p:spPr>
-        <p:txBody>
-          <a:bodyPr wrap="square">
-            <a:spAutoFit/>
-          </a:bodyPr>
-          <a:lstStyle/>
-          <a:p>
-            <a:pPr marL="800100" lvl="1" indent="-342900">
-              <a:lnSpc>
-                <a:spcPct val="120000"/>
-              </a:lnSpc>
-              <a:buBlip>
-                <a:blip r:embed="rId2"/>
-              </a:buBlip>
-            </a:pPr>
-            <a:r>
-              <a:rPr lang="zh-TW" altLang="en-US" sz="2000" dirty="0" smtClean="0">
-                <a:latin typeface="微軟正黑體" pitchFamily="34" charset="-120"/>
-                <a:ea typeface="微軟正黑體" pitchFamily="34" charset="-120"/>
-              </a:rPr>
-              <a:t>新竹市</a:t>
-            </a:r>
-            <a:r>
-              <a:rPr lang="zh-TW" altLang="en-US" sz="2000" dirty="0">
-                <a:latin typeface="微軟正黑體" pitchFamily="34" charset="-120"/>
-                <a:ea typeface="微軟正黑體" pitchFamily="34" charset="-120"/>
-              </a:rPr>
-              <a:t>中醫診所</a:t>
-            </a:r>
-            <a:r>
-              <a:rPr lang="zh-TW" altLang="en-US" sz="2000" dirty="0" smtClean="0">
-                <a:latin typeface="微軟正黑體" pitchFamily="34" charset="-120"/>
-                <a:ea typeface="微軟正黑體" pitchFamily="34" charset="-120"/>
-              </a:rPr>
-              <a:t>名冊</a:t>
-            </a:r>
-            <a:endParaRPr lang="en-US" altLang="zh-TW" sz="2000" dirty="0" smtClean="0">
-              <a:latin typeface="微軟正黑體" pitchFamily="34" charset="-120"/>
-              <a:ea typeface="微軟正黑體" pitchFamily="34" charset="-120"/>
-            </a:endParaRPr>
-          </a:p>
-          <a:p>
-            <a:pPr marL="800100" lvl="1" indent="-342900">
-              <a:lnSpc>
-                <a:spcPct val="120000"/>
-              </a:lnSpc>
-              <a:buBlip>
-                <a:blip r:embed="rId2"/>
-              </a:buBlip>
-            </a:pPr>
-            <a:r>
-              <a:rPr lang="zh-TW" altLang="en-US" sz="2000" dirty="0" smtClean="0">
-                <a:latin typeface="微軟正黑體" pitchFamily="34" charset="-120"/>
-                <a:ea typeface="微軟正黑體" pitchFamily="34" charset="-120"/>
-              </a:rPr>
-              <a:t>新竹市</a:t>
-            </a:r>
-            <a:r>
-              <a:rPr lang="zh-TW" altLang="en-US" sz="2000" dirty="0">
-                <a:latin typeface="微軟正黑體" pitchFamily="34" charset="-120"/>
-                <a:ea typeface="微軟正黑體" pitchFamily="34" charset="-120"/>
-              </a:rPr>
-              <a:t>動物醫院</a:t>
-            </a:r>
-          </a:p>
-          <a:p>
-            <a:pPr marL="800100" lvl="1" indent="-342900">
-              <a:lnSpc>
-                <a:spcPct val="120000"/>
-              </a:lnSpc>
-              <a:buBlip>
-                <a:blip r:embed="rId2"/>
-              </a:buBlip>
-            </a:pPr>
-            <a:r>
-              <a:rPr lang="zh-TW" altLang="en-US" sz="2000" dirty="0" smtClean="0">
-                <a:latin typeface="微軟正黑體" pitchFamily="34" charset="-120"/>
-                <a:ea typeface="微軟正黑體" pitchFamily="34" charset="-120"/>
-              </a:rPr>
-              <a:t>新竹市</a:t>
-            </a:r>
-            <a:r>
-              <a:rPr lang="zh-TW" altLang="en-US" sz="2000" dirty="0">
-                <a:latin typeface="微軟正黑體" pitchFamily="34" charset="-120"/>
-                <a:ea typeface="微軟正黑體" pitchFamily="34" charset="-120"/>
-              </a:rPr>
-              <a:t>公共圖書館通訊</a:t>
-            </a:r>
-          </a:p>
-          <a:p>
-            <a:pPr marL="800100" lvl="1" indent="-342900">
-              <a:lnSpc>
-                <a:spcPct val="120000"/>
-              </a:lnSpc>
-              <a:buBlip>
-                <a:blip r:embed="rId2"/>
-              </a:buBlip>
-            </a:pPr>
-            <a:r>
-              <a:rPr lang="zh-TW" altLang="en-US" sz="2000" dirty="0">
-                <a:latin typeface="微軟正黑體" pitchFamily="34" charset="-120"/>
-                <a:ea typeface="微軟正黑體" pitchFamily="34" charset="-120"/>
-              </a:rPr>
-              <a:t>新竹市終身教育學習</a:t>
-            </a:r>
-            <a:r>
-              <a:rPr lang="zh-TW" altLang="en-US" sz="2000" dirty="0" smtClean="0">
-                <a:latin typeface="微軟正黑體" pitchFamily="34" charset="-120"/>
-                <a:ea typeface="微軟正黑體" pitchFamily="34" charset="-120"/>
-              </a:rPr>
-              <a:t>地圖</a:t>
-            </a:r>
-            <a:endParaRPr lang="zh-TW" altLang="en-US" sz="2000" dirty="0">
-              <a:latin typeface="微軟正黑體" pitchFamily="34" charset="-120"/>
-              <a:ea typeface="微軟正黑體" pitchFamily="34" charset="-120"/>
-            </a:endParaRPr>
-          </a:p>
-        </p:txBody>
-      </p:sp>
-      <p:sp>
-        <p:nvSpPr>
-          <p:cNvPr id="7" name="投影片編號版面配置區 6"/>
+          <p:cNvPr id="4" name="投影片編號版面配置區 3"/>
           <p:cNvSpPr>
             <a:spLocks noGrp="1"/>
           </p:cNvSpPr>
@@ -8819,10 +8399,115 @@
           </a:p>
         </p:txBody>
       </p:sp>
+      <p:sp>
+        <p:nvSpPr>
+          <p:cNvPr id="6" name="內容版面配置區 2"/>
+          <p:cNvSpPr>
+            <a:spLocks noGrp="1"/>
+          </p:cNvSpPr>
+          <p:nvPr>
+            <p:ph idx="1"/>
+          </p:nvPr>
+        </p:nvSpPr>
+        <p:spPr>
+          <a:xfrm>
+            <a:off x="457200" y="1049486"/>
+            <a:ext cx="8229600" cy="3394472"/>
+          </a:xfrm>
+        </p:spPr>
+        <p:txBody>
+          <a:bodyPr>
+            <a:normAutofit/>
+          </a:bodyPr>
+          <a:lstStyle/>
+          <a:p>
+            <a:r>
+              <a:rPr lang="en-US" altLang="zh-TW" sz="2000" dirty="0">
+                <a:hlinkClick r:id="rId3"/>
+              </a:rPr>
+              <a:t>https://</a:t>
+            </a:r>
+            <a:r>
+              <a:rPr lang="en-US" altLang="zh-TW" sz="2000" dirty="0" smtClean="0">
+                <a:hlinkClick r:id="rId3"/>
+              </a:rPr>
+              <a:t>hsinchu-whatchdog.herokuapp.com/roadmap/index</a:t>
+            </a:r>
+            <a:endParaRPr lang="en-US" altLang="zh-TW" sz="2000" dirty="0" smtClean="0"/>
+          </a:p>
+          <a:p>
+            <a:endParaRPr lang="zh-TW" altLang="en-US" sz="2000" dirty="0"/>
+          </a:p>
+        </p:txBody>
+      </p:sp>
+      <p:pic>
+        <p:nvPicPr>
+          <p:cNvPr id="4099" name="Picture 3"/>
+          <p:cNvPicPr>
+            <a:picLocks noChangeAspect="1" noChangeArrowheads="1"/>
+          </p:cNvPicPr>
+          <p:nvPr/>
+        </p:nvPicPr>
+        <p:blipFill>
+          <a:blip r:embed="rId4">
+            <a:extLst>
+              <a:ext uri="{28A0092B-C50C-407E-A947-70E740481C1C}">
+                <a14:useLocalDpi xmlns:a14="http://schemas.microsoft.com/office/drawing/2010/main" val="0"/>
+              </a:ext>
+            </a:extLst>
+          </a:blip>
+          <a:srcRect/>
+          <a:stretch>
+            <a:fillRect/>
+          </a:stretch>
+        </p:blipFill>
+        <p:spPr bwMode="auto">
+          <a:xfrm>
+            <a:off x="395535" y="1491630"/>
+            <a:ext cx="8333913" cy="3651870"/>
+          </a:xfrm>
+          <a:prstGeom prst="rect">
+            <a:avLst/>
+          </a:prstGeom>
+          <a:noFill/>
+          <a:ln>
+            <a:noFill/>
+          </a:ln>
+          <a:effectLst/>
+          <a:extLst>
+            <a:ext uri="{909E8E84-426E-40DD-AFC4-6F175D3DCCD1}">
+              <a14:hiddenFill xmlns:a14="http://schemas.microsoft.com/office/drawing/2010/main">
+                <a:solidFill>
+                  <a:schemeClr val="accent1"/>
+                </a:solidFill>
+              </a14:hiddenFill>
+            </a:ext>
+            <a:ext uri="{91240B29-F687-4F45-9708-019B960494DF}">
+              <a14:hiddenLine xmlns:a14="http://schemas.microsoft.com/office/drawing/2010/main" w="9525">
+                <a:solidFill>
+                  <a:schemeClr val="tx1"/>
+                </a:solidFill>
+                <a:miter lim="800000"/>
+                <a:headEnd/>
+                <a:tailEnd/>
+              </a14:hiddenLine>
+            </a:ext>
+            <a:ext uri="{AF507438-7753-43E0-B8FC-AC1667EBCBE1}">
+              <a14:hiddenEffects xmlns:a14="http://schemas.microsoft.com/office/drawing/2010/main">
+                <a:effectLst>
+                  <a:outerShdw dist="35921" dir="2700000" algn="ctr" rotWithShape="0">
+                    <a:schemeClr val="bg2"/>
+                  </a:outerShdw>
+                </a:effectLst>
+              </a14:hiddenEffects>
+            </a:ext>
+          </a:extLst>
+        </p:spPr>
+      </p:pic>
     </p:spTree>
     <p:extLst>
       <p:ext uri="{BB962C8B-B14F-4D97-AF65-F5344CB8AC3E}">
-        <p14:creationId xmlns:p14="http://schemas.microsoft.com/office/powerpoint/2010/main" val="3646323723"/>
+        <p14:creationId xmlns:p14="http://schemas.microsoft.com/office/powerpoint/2010/main" val="1274472349"/>
       </p:ext>
     </p:extLst>
   </p:cSld>
@@ -8868,24 +8553,89 @@
         </p:nvSpPr>
         <p:spPr>
           <a:xfrm>
-            <a:off x="685800" y="2045295"/>
-            <a:ext cx="7772400" cy="1102519"/>
+            <a:off x="611560" y="771550"/>
+            <a:ext cx="3960440" cy="1800200"/>
           </a:xfrm>
         </p:spPr>
         <p:txBody>
           <a:bodyPr>
-            <a:normAutofit/>
+            <a:normAutofit fontScale="90000"/>
           </a:bodyPr>
           <a:lstStyle/>
           <a:p>
+            <a:pPr algn="l"/>
             <a:r>
               <a:rPr lang="zh-TW" altLang="en-US" sz="4800" b="1" dirty="0" smtClean="0"/>
-              <a:t>我們想解決的問題</a:t>
-            </a:r>
-            <a:endParaRPr lang="zh-TW" altLang="en-US" sz="4800" b="1" dirty="0"/>
+              <a:t>我們想解決的</a:t>
+            </a:r>
+            <a:r>
+              <a:rPr lang="zh-TW" altLang="en-US" sz="7200" b="1" dirty="0" smtClean="0"/>
+              <a:t>問題</a:t>
+            </a:r>
+            <a:endParaRPr lang="zh-TW" altLang="en-US" sz="7200" b="1" dirty="0"/>
           </a:p>
         </p:txBody>
       </p:sp>
+      <p:pic>
+        <p:nvPicPr>
+          <p:cNvPr id="3" name="圖片 2"/>
+          <p:cNvPicPr>
+            <a:picLocks noChangeAspect="1"/>
+          </p:cNvPicPr>
+          <p:nvPr/>
+        </p:nvPicPr>
+        <p:blipFill>
+          <a:blip r:embed="rId3">
+            <a:extLst>
+              <a:ext uri="{28A0092B-C50C-407E-A947-70E740481C1C}">
+                <a14:useLocalDpi xmlns:a14="http://schemas.microsoft.com/office/drawing/2010/main" val="0"/>
+              </a:ext>
+            </a:extLst>
+          </a:blip>
+          <a:stretch>
+            <a:fillRect/>
+          </a:stretch>
+        </p:blipFill>
+        <p:spPr>
+          <a:xfrm>
+            <a:off x="5220072" y="1347614"/>
+            <a:ext cx="3746576" cy="3746576"/>
+          </a:xfrm>
+          <a:prstGeom prst="rect">
+            <a:avLst/>
+          </a:prstGeom>
+        </p:spPr>
+      </p:pic>
+      <p:pic>
+        <p:nvPicPr>
+          <p:cNvPr id="2" name="圖片 1"/>
+          <p:cNvPicPr>
+            <a:picLocks noChangeAspect="1"/>
+          </p:cNvPicPr>
+          <p:nvPr/>
+        </p:nvPicPr>
+        <p:blipFill>
+          <a:blip r:embed="rId4" cstate="print">
+            <a:extLst>
+              <a:ext uri="{28A0092B-C50C-407E-A947-70E740481C1C}">
+                <a14:useLocalDpi xmlns:a14="http://schemas.microsoft.com/office/drawing/2010/main" val="0"/>
+              </a:ext>
+            </a:extLst>
+          </a:blip>
+          <a:stretch>
+            <a:fillRect/>
+          </a:stretch>
+        </p:blipFill>
+        <p:spPr>
+          <a:xfrm>
+            <a:off x="4681272" y="954578"/>
+            <a:ext cx="1437640" cy="562626"/>
+          </a:xfrm>
+          <a:prstGeom prst="rect">
+            <a:avLst/>
+          </a:prstGeom>
+        </p:spPr>
+      </p:pic>
     </p:spTree>
     <p:extLst>
       <p:ext uri="{BB962C8B-B14F-4D97-AF65-F5344CB8AC3E}">
@@ -9052,21 +8802,21 @@
                 <a:gridCol w="484787">
                   <a:extLst>
                     <a:ext uri="{9D8B030D-6E8A-4147-A177-3AD203B41FA5}">
-                      <a16:colId xmlns:a16="http://schemas.microsoft.com/office/drawing/2014/main" xmlns="" val="20000"/>
+                      <a16:colId xmlns:a16="http://schemas.microsoft.com/office/drawing/2014/main" val="20000"/>
                     </a:ext>
                   </a:extLst>
                 </a:gridCol>
                 <a:gridCol w="2602295">
                   <a:extLst>
                     <a:ext uri="{9D8B030D-6E8A-4147-A177-3AD203B41FA5}">
-                      <a16:colId xmlns:a16="http://schemas.microsoft.com/office/drawing/2014/main" xmlns="" val="20001"/>
+                      <a16:colId xmlns:a16="http://schemas.microsoft.com/office/drawing/2014/main" val="20001"/>
                     </a:ext>
                   </a:extLst>
                 </a:gridCol>
                 <a:gridCol w="548814">
                   <a:extLst>
                     <a:ext uri="{9D8B030D-6E8A-4147-A177-3AD203B41FA5}">
-                      <a16:colId xmlns:a16="http://schemas.microsoft.com/office/drawing/2014/main" xmlns="" val="20002"/>
+                      <a16:colId xmlns:a16="http://schemas.microsoft.com/office/drawing/2014/main" val="20002"/>
                     </a:ext>
                   </a:extLst>
                 </a:gridCol>
@@ -9180,7 +8930,7 @@
                 </a:tc>
                 <a:extLst>
                   <a:ext uri="{0D108BD9-81ED-4DB2-BD59-A6C34878D82A}">
-                    <a16:rowId xmlns:a16="http://schemas.microsoft.com/office/drawing/2014/main" xmlns="" val="10000"/>
+                    <a16:rowId xmlns:a16="http://schemas.microsoft.com/office/drawing/2014/main" val="10000"/>
                   </a:ext>
                 </a:extLst>
               </a:tr>
@@ -9293,7 +9043,7 @@
                 </a:tc>
                 <a:extLst>
                   <a:ext uri="{0D108BD9-81ED-4DB2-BD59-A6C34878D82A}">
-                    <a16:rowId xmlns:a16="http://schemas.microsoft.com/office/drawing/2014/main" xmlns="" val="10001"/>
+                    <a16:rowId xmlns:a16="http://schemas.microsoft.com/office/drawing/2014/main" val="10001"/>
                   </a:ext>
                 </a:extLst>
               </a:tr>
@@ -9406,7 +9156,7 @@
                 </a:tc>
                 <a:extLst>
                   <a:ext uri="{0D108BD9-81ED-4DB2-BD59-A6C34878D82A}">
-                    <a16:rowId xmlns:a16="http://schemas.microsoft.com/office/drawing/2014/main" xmlns="" val="10002"/>
+                    <a16:rowId xmlns:a16="http://schemas.microsoft.com/office/drawing/2014/main" val="10002"/>
                   </a:ext>
                 </a:extLst>
               </a:tr>
@@ -9519,7 +9269,7 @@
                 </a:tc>
                 <a:extLst>
                   <a:ext uri="{0D108BD9-81ED-4DB2-BD59-A6C34878D82A}">
-                    <a16:rowId xmlns:a16="http://schemas.microsoft.com/office/drawing/2014/main" xmlns="" val="10003"/>
+                    <a16:rowId xmlns:a16="http://schemas.microsoft.com/office/drawing/2014/main" val="10003"/>
                   </a:ext>
                 </a:extLst>
               </a:tr>
@@ -9632,7 +9382,7 @@
                 </a:tc>
                 <a:extLst>
                   <a:ext uri="{0D108BD9-81ED-4DB2-BD59-A6C34878D82A}">
-                    <a16:rowId xmlns:a16="http://schemas.microsoft.com/office/drawing/2014/main" xmlns="" val="10004"/>
+                    <a16:rowId xmlns:a16="http://schemas.microsoft.com/office/drawing/2014/main" val="10004"/>
                   </a:ext>
                 </a:extLst>
               </a:tr>
@@ -9745,7 +9495,7 @@
                 </a:tc>
                 <a:extLst>
                   <a:ext uri="{0D108BD9-81ED-4DB2-BD59-A6C34878D82A}">
-                    <a16:rowId xmlns:a16="http://schemas.microsoft.com/office/drawing/2014/main" xmlns="" val="10005"/>
+                    <a16:rowId xmlns:a16="http://schemas.microsoft.com/office/drawing/2014/main" val="10005"/>
                   </a:ext>
                 </a:extLst>
               </a:tr>
@@ -9858,7 +9608,7 @@
                 </a:tc>
                 <a:extLst>
                   <a:ext uri="{0D108BD9-81ED-4DB2-BD59-A6C34878D82A}">
-                    <a16:rowId xmlns:a16="http://schemas.microsoft.com/office/drawing/2014/main" xmlns="" val="10006"/>
+                    <a16:rowId xmlns:a16="http://schemas.microsoft.com/office/drawing/2014/main" val="10006"/>
                   </a:ext>
                 </a:extLst>
               </a:tr>
@@ -9971,7 +9721,7 @@
                 </a:tc>
                 <a:extLst>
                   <a:ext uri="{0D108BD9-81ED-4DB2-BD59-A6C34878D82A}">
-                    <a16:rowId xmlns:a16="http://schemas.microsoft.com/office/drawing/2014/main" xmlns="" val="10007"/>
+                    <a16:rowId xmlns:a16="http://schemas.microsoft.com/office/drawing/2014/main" val="10007"/>
                   </a:ext>
                 </a:extLst>
               </a:tr>
@@ -10084,7 +9834,7 @@
                 </a:tc>
                 <a:extLst>
                   <a:ext uri="{0D108BD9-81ED-4DB2-BD59-A6C34878D82A}">
-                    <a16:rowId xmlns:a16="http://schemas.microsoft.com/office/drawing/2014/main" xmlns="" val="10008"/>
+                    <a16:rowId xmlns:a16="http://schemas.microsoft.com/office/drawing/2014/main" val="10008"/>
                   </a:ext>
                 </a:extLst>
               </a:tr>
@@ -10197,7 +9947,7 @@
                 </a:tc>
                 <a:extLst>
                   <a:ext uri="{0D108BD9-81ED-4DB2-BD59-A6C34878D82A}">
-                    <a16:rowId xmlns:a16="http://schemas.microsoft.com/office/drawing/2014/main" xmlns="" val="10009"/>
+                    <a16:rowId xmlns:a16="http://schemas.microsoft.com/office/drawing/2014/main" val="10009"/>
                   </a:ext>
                 </a:extLst>
               </a:tr>
@@ -10310,7 +10060,7 @@
                 </a:tc>
                 <a:extLst>
                   <a:ext uri="{0D108BD9-81ED-4DB2-BD59-A6C34878D82A}">
-                    <a16:rowId xmlns:a16="http://schemas.microsoft.com/office/drawing/2014/main" xmlns="" val="10010"/>
+                    <a16:rowId xmlns:a16="http://schemas.microsoft.com/office/drawing/2014/main" val="10010"/>
                   </a:ext>
                 </a:extLst>
               </a:tr>
@@ -10423,7 +10173,7 @@
                 </a:tc>
                 <a:extLst>
                   <a:ext uri="{0D108BD9-81ED-4DB2-BD59-A6C34878D82A}">
-                    <a16:rowId xmlns:a16="http://schemas.microsoft.com/office/drawing/2014/main" xmlns="" val="10011"/>
+                    <a16:rowId xmlns:a16="http://schemas.microsoft.com/office/drawing/2014/main" val="10011"/>
                   </a:ext>
                 </a:extLst>
               </a:tr>
@@ -10536,7 +10286,7 @@
                 </a:tc>
                 <a:extLst>
                   <a:ext uri="{0D108BD9-81ED-4DB2-BD59-A6C34878D82A}">
-                    <a16:rowId xmlns:a16="http://schemas.microsoft.com/office/drawing/2014/main" xmlns="" val="10012"/>
+                    <a16:rowId xmlns:a16="http://schemas.microsoft.com/office/drawing/2014/main" val="10012"/>
                   </a:ext>
                 </a:extLst>
               </a:tr>
@@ -10635,38 +10385,83 @@
       </p:grpSpPr>
       <p:sp>
         <p:nvSpPr>
-          <p:cNvPr id="4" name="標題 3"/>
+          <p:cNvPr id="2" name="標題 1"/>
           <p:cNvSpPr>
             <a:spLocks noGrp="1"/>
           </p:cNvSpPr>
           <p:nvPr>
-            <p:ph type="ctrTitle"/>
-          </p:nvPr>
-        </p:nvSpPr>
+            <p:ph type="title"/>
+          </p:nvPr>
+        </p:nvSpPr>
+        <p:spPr/>
+        <p:txBody>
+          <a:bodyPr/>
+          <a:lstStyle/>
+          <a:p>
+            <a:r>
+              <a:rPr lang="zh-TW" altLang="en-US" dirty="0" smtClean="0"/>
+              <a:t>自然語言處理</a:t>
+            </a:r>
+            <a:endParaRPr lang="zh-TW" altLang="en-US" dirty="0"/>
+          </a:p>
+        </p:txBody>
+      </p:sp>
+      <p:pic>
+        <p:nvPicPr>
+          <p:cNvPr id="5" name="內容版面配置區 4"/>
+          <p:cNvPicPr>
+            <a:picLocks noGrp="1" noChangeAspect="1"/>
+          </p:cNvPicPr>
+          <p:nvPr>
+            <p:ph idx="1"/>
+          </p:nvPr>
+        </p:nvPicPr>
+        <p:blipFill>
+          <a:blip r:embed="rId2">
+            <a:extLst>
+              <a:ext uri="{28A0092B-C50C-407E-A947-70E740481C1C}">
+                <a14:useLocalDpi xmlns:a14="http://schemas.microsoft.com/office/drawing/2010/main" val="0"/>
+              </a:ext>
+            </a:extLst>
+          </a:blip>
+          <a:stretch>
+            <a:fillRect/>
+          </a:stretch>
+        </p:blipFill>
         <p:spPr>
           <a:xfrm>
-            <a:off x="685800" y="2045295"/>
-            <a:ext cx="7772400" cy="1102519"/>
+            <a:off x="457200" y="1206591"/>
+            <a:ext cx="8229600" cy="3381192"/>
           </a:xfrm>
         </p:spPr>
+      </p:pic>
+      <p:sp>
+        <p:nvSpPr>
+          <p:cNvPr id="4" name="投影片編號版面配置區 3"/>
+          <p:cNvSpPr>
+            <a:spLocks noGrp="1"/>
+          </p:cNvSpPr>
+          <p:nvPr>
+            <p:ph type="sldNum" sz="quarter" idx="12"/>
+          </p:nvPr>
+        </p:nvSpPr>
+        <p:spPr/>
         <p:txBody>
-          <a:bodyPr>
-            <a:normAutofit/>
-          </a:bodyPr>
+          <a:bodyPr/>
           <a:lstStyle/>
           <a:p>
-            <a:r>
-              <a:rPr lang="zh-TW" altLang="en-US" sz="4800" b="1" dirty="0" smtClean="0"/>
-              <a:t>模型訓練</a:t>
-            </a:r>
-            <a:endParaRPr lang="zh-TW" altLang="en-US" sz="4800" b="1" dirty="0"/>
+            <a:fld id="{458270D0-B830-4E87-A9C7-B662AFD560B4}" type="slidenum">
+              <a:rPr lang="zh-TW" altLang="en-US" smtClean="0"/>
+              <a:t>7</a:t>
+            </a:fld>
+            <a:endParaRPr lang="zh-TW" altLang="en-US"/>
           </a:p>
         </p:txBody>
       </p:sp>
     </p:spTree>
     <p:extLst>
       <p:ext uri="{BB962C8B-B14F-4D97-AF65-F5344CB8AC3E}">
-        <p14:creationId xmlns:p14="http://schemas.microsoft.com/office/powerpoint/2010/main" val="1694079261"/>
+        <p14:creationId xmlns:p14="http://schemas.microsoft.com/office/powerpoint/2010/main" val="3543331936"/>
       </p:ext>
     </p:extLst>
   </p:cSld>
@@ -10700,32 +10495,9 @@
           <a:chExt cx="0" cy="0"/>
         </a:xfrm>
       </p:grpSpPr>
-      <p:sp>
-        <p:nvSpPr>
-          <p:cNvPr id="2" name="標題 1"/>
-          <p:cNvSpPr>
-            <a:spLocks noGrp="1"/>
-          </p:cNvSpPr>
-          <p:nvPr>
-            <p:ph type="title"/>
-          </p:nvPr>
-        </p:nvSpPr>
-        <p:spPr/>
-        <p:txBody>
-          <a:bodyPr/>
-          <a:lstStyle/>
-          <a:p>
-            <a:r>
-              <a:rPr lang="zh-TW" altLang="en-US" dirty="0" smtClean="0"/>
-              <a:t>自然語言處理</a:t>
-            </a:r>
-            <a:endParaRPr lang="zh-TW" altLang="en-US" dirty="0"/>
-          </a:p>
-        </p:txBody>
-      </p:sp>
       <p:pic>
         <p:nvPicPr>
-          <p:cNvPr id="5" name="內容版面配置區 4"/>
+          <p:cNvPr id="8" name="內容版面配置區 7"/>
           <p:cNvPicPr>
             <a:picLocks noGrp="1" noChangeAspect="1"/>
           </p:cNvPicPr>
@@ -10747,14 +10519,44 @@
         </p:blipFill>
         <p:spPr>
           <a:xfrm>
-            <a:off x="457200" y="1206591"/>
-            <a:ext cx="8229600" cy="3381192"/>
+            <a:off x="0" y="915566"/>
+            <a:ext cx="5693878" cy="4320480"/>
           </a:xfrm>
         </p:spPr>
       </p:pic>
       <p:sp>
         <p:nvSpPr>
-          <p:cNvPr id="4" name="投影片編號版面配置區 3"/>
+          <p:cNvPr id="2" name="標題 1"/>
+          <p:cNvSpPr>
+            <a:spLocks noGrp="1"/>
+          </p:cNvSpPr>
+          <p:nvPr>
+            <p:ph type="title"/>
+          </p:nvPr>
+        </p:nvSpPr>
+        <p:spPr/>
+        <p:txBody>
+          <a:bodyPr/>
+          <a:lstStyle/>
+          <a:p>
+            <a:r>
+              <a:rPr lang="zh-TW" altLang="en-US" dirty="0"/>
+              <a:t>資料觀察</a:t>
+            </a:r>
+            <a:r>
+              <a:rPr lang="en-US" altLang="zh-TW" dirty="0"/>
+              <a:t>-</a:t>
+            </a:r>
+            <a:r>
+              <a:rPr lang="zh-TW" altLang="en-US" dirty="0"/>
+              <a:t>資料離散程度</a:t>
+            </a:r>
+          </a:p>
+        </p:txBody>
+      </p:sp>
+      <p:sp>
+        <p:nvSpPr>
+          <p:cNvPr id="9" name="投影片編號版面配置區 8"/>
           <p:cNvSpPr>
             <a:spLocks noGrp="1"/>
           </p:cNvSpPr>
@@ -10778,7 +10580,7 @@
     </p:spTree>
     <p:extLst>
       <p:ext uri="{BB962C8B-B14F-4D97-AF65-F5344CB8AC3E}">
-        <p14:creationId xmlns:p14="http://schemas.microsoft.com/office/powerpoint/2010/main" val="3543331936"/>
+        <p14:creationId xmlns:p14="http://schemas.microsoft.com/office/powerpoint/2010/main" val="630187185"/>
       </p:ext>
     </p:extLst>
   </p:cSld>
@@ -10812,92 +10614,40 @@
           <a:chExt cx="0" cy="0"/>
         </a:xfrm>
       </p:grpSpPr>
-      <p:pic>
-        <p:nvPicPr>
-          <p:cNvPr id="8" name="內容版面配置區 7"/>
-          <p:cNvPicPr>
-            <a:picLocks noGrp="1" noChangeAspect="1"/>
-          </p:cNvPicPr>
-          <p:nvPr>
-            <p:ph idx="1"/>
-          </p:nvPr>
-        </p:nvPicPr>
-        <p:blipFill>
-          <a:blip r:embed="rId2">
-            <a:extLst>
-              <a:ext uri="{28A0092B-C50C-407E-A947-70E740481C1C}">
-                <a14:useLocalDpi xmlns:a14="http://schemas.microsoft.com/office/drawing/2010/main" val="0"/>
-              </a:ext>
-            </a:extLst>
-          </a:blip>
-          <a:stretch>
-            <a:fillRect/>
-          </a:stretch>
-        </p:blipFill>
-        <p:spPr>
-          <a:xfrm>
-            <a:off x="0" y="915566"/>
-            <a:ext cx="5693878" cy="4320480"/>
-          </a:xfrm>
-        </p:spPr>
-      </p:pic>
-      <p:sp>
-        <p:nvSpPr>
-          <p:cNvPr id="2" name="標題 1"/>
+      <p:sp>
+        <p:nvSpPr>
+          <p:cNvPr id="4" name="標題 3"/>
           <p:cNvSpPr>
             <a:spLocks noGrp="1"/>
           </p:cNvSpPr>
           <p:nvPr>
-            <p:ph type="title"/>
-          </p:nvPr>
-        </p:nvSpPr>
-        <p:spPr/>
+            <p:ph type="ctrTitle"/>
+          </p:nvPr>
+        </p:nvSpPr>
+        <p:spPr>
+          <a:xfrm>
+            <a:off x="685800" y="2045295"/>
+            <a:ext cx="7772400" cy="1102519"/>
+          </a:xfrm>
+        </p:spPr>
         <p:txBody>
-          <a:bodyPr/>
+          <a:bodyPr>
+            <a:normAutofit/>
+          </a:bodyPr>
           <a:lstStyle/>
           <a:p>
             <a:r>
-              <a:rPr lang="zh-TW" altLang="en-US" dirty="0"/>
-              <a:t>資料觀察</a:t>
-            </a:r>
-            <a:r>
-              <a:rPr lang="en-US" altLang="zh-TW" dirty="0"/>
-              <a:t>-</a:t>
-            </a:r>
-            <a:r>
-              <a:rPr lang="zh-TW" altLang="en-US" dirty="0"/>
-              <a:t>資料離散程度</a:t>
-            </a:r>
-          </a:p>
-        </p:txBody>
-      </p:sp>
-      <p:sp>
-        <p:nvSpPr>
-          <p:cNvPr id="9" name="投影片編號版面配置區 8"/>
-          <p:cNvSpPr>
-            <a:spLocks noGrp="1"/>
-          </p:cNvSpPr>
-          <p:nvPr>
-            <p:ph type="sldNum" sz="quarter" idx="12"/>
-          </p:nvPr>
-        </p:nvSpPr>
-        <p:spPr/>
-        <p:txBody>
-          <a:bodyPr/>
-          <a:lstStyle/>
-          <a:p>
-            <a:fld id="{458270D0-B830-4E87-A9C7-B662AFD560B4}" type="slidenum">
-              <a:rPr lang="zh-TW" altLang="en-US" smtClean="0"/>
-              <a:t>9</a:t>
-            </a:fld>
-            <a:endParaRPr lang="zh-TW" altLang="en-US"/>
+              <a:rPr lang="zh-TW" altLang="en-US" sz="4800" b="1" dirty="0" smtClean="0"/>
+              <a:t>預測結果</a:t>
+            </a:r>
+            <a:endParaRPr lang="zh-TW" altLang="en-US" sz="4800" b="1" dirty="0"/>
           </a:p>
         </p:txBody>
       </p:sp>
     </p:spTree>
     <p:extLst>
       <p:ext uri="{BB962C8B-B14F-4D97-AF65-F5344CB8AC3E}">
-        <p14:creationId xmlns:p14="http://schemas.microsoft.com/office/powerpoint/2010/main" val="630187185"/>
+        <p14:creationId xmlns:p14="http://schemas.microsoft.com/office/powerpoint/2010/main" val="3735980729"/>
       </p:ext>
     </p:extLst>
   </p:cSld>

--- a/新竹市社會處 PIPELINE(New).pptx
+++ b/新竹市社會處 PIPELINE(New).pptx
@@ -5,7 +5,7 @@
     <p:sldMasterId id="2147483648" r:id="rId1"/>
   </p:sldMasterIdLst>
   <p:notesMasterIdLst>
-    <p:notesMasterId r:id="rId17"/>
+    <p:notesMasterId r:id="rId18"/>
   </p:notesMasterIdLst>
   <p:sldIdLst>
     <p:sldId id="256" r:id="rId2"/>
@@ -21,8 +21,9 @@
     <p:sldId id="266" r:id="rId12"/>
     <p:sldId id="275" r:id="rId13"/>
     <p:sldId id="276" r:id="rId14"/>
-    <p:sldId id="274" r:id="rId15"/>
-    <p:sldId id="267" r:id="rId16"/>
+    <p:sldId id="285" r:id="rId15"/>
+    <p:sldId id="274" r:id="rId16"/>
+    <p:sldId id="267" r:id="rId17"/>
   </p:sldIdLst>
   <p:sldSz cx="9144000" cy="5143500" type="screen16x9"/>
   <p:notesSz cx="6858000" cy="9144000"/>
@@ -222,7 +223,7 @@
           <a:p>
             <a:fld id="{B4DB2679-F535-46E2-A3A3-5F6B17EFB8E3}" type="datetimeFigureOut">
               <a:rPr lang="zh-TW" altLang="en-US" smtClean="0"/>
-              <a:t>2017/11/26</a:t>
+              <a:t>2017/11/27</a:t>
             </a:fld>
             <a:endParaRPr lang="zh-TW" altLang="en-US"/>
           </a:p>
@@ -1174,7 +1175,7 @@
           <a:p>
             <a:fld id="{79C8EB11-B45F-4D29-9742-3A2D0BA8B9A3}" type="datetime1">
               <a:rPr lang="zh-TW" altLang="en-US" smtClean="0"/>
-              <a:t>2017/11/26</a:t>
+              <a:t>2017/11/27</a:t>
             </a:fld>
             <a:endParaRPr lang="zh-TW" altLang="en-US"/>
           </a:p>
@@ -1454,7 +1455,7 @@
           <a:p>
             <a:fld id="{E4398E98-F64A-48DD-8B2B-3A25B20EC597}" type="datetime1">
               <a:rPr lang="zh-TW" altLang="en-US" smtClean="0"/>
-              <a:t>2017/11/26</a:t>
+              <a:t>2017/11/27</a:t>
             </a:fld>
             <a:endParaRPr lang="zh-TW" altLang="en-US"/>
           </a:p>
@@ -1634,7 +1635,7 @@
           <a:p>
             <a:fld id="{F5990BA1-DA1D-42B0-AE80-C67E5EE9FFF8}" type="datetime1">
               <a:rPr lang="zh-TW" altLang="en-US" smtClean="0"/>
-              <a:t>2017/11/26</a:t>
+              <a:t>2017/11/27</a:t>
             </a:fld>
             <a:endParaRPr lang="zh-TW" altLang="en-US"/>
           </a:p>
@@ -1878,7 +1879,7 @@
           <a:p>
             <a:fld id="{4C4087DA-A603-4F3A-AD65-9A089A01D4C7}" type="datetime1">
               <a:rPr lang="zh-TW" altLang="en-US" smtClean="0"/>
-              <a:t>2017/11/26</a:t>
+              <a:t>2017/11/27</a:t>
             </a:fld>
             <a:endParaRPr lang="zh-TW" altLang="en-US"/>
           </a:p>
@@ -2229,7 +2230,7 @@
           <a:p>
             <a:fld id="{D0F4B25F-4AB0-4B29-9955-E6493AE080D0}" type="datetime1">
               <a:rPr lang="zh-TW" altLang="en-US" smtClean="0"/>
-              <a:t>2017/11/26</a:t>
+              <a:t>2017/11/27</a:t>
             </a:fld>
             <a:endParaRPr lang="zh-TW" altLang="en-US"/>
           </a:p>
@@ -2517,7 +2518,7 @@
           <a:p>
             <a:fld id="{F9571759-2BD7-4F8F-BEEC-A86E9A5CAB92}" type="datetime1">
               <a:rPr lang="zh-TW" altLang="en-US" smtClean="0"/>
-              <a:t>2017/11/26</a:t>
+              <a:t>2017/11/27</a:t>
             </a:fld>
             <a:endParaRPr lang="zh-TW" altLang="en-US"/>
           </a:p>
@@ -2944,7 +2945,7 @@
           <a:p>
             <a:fld id="{C4876340-B95F-4565-B32F-B2EF5CEB830B}" type="datetime1">
               <a:rPr lang="zh-TW" altLang="en-US" smtClean="0"/>
-              <a:t>2017/11/26</a:t>
+              <a:t>2017/11/27</a:t>
             </a:fld>
             <a:endParaRPr lang="zh-TW" altLang="en-US"/>
           </a:p>
@@ -3062,7 +3063,7 @@
           <a:p>
             <a:fld id="{E16CB1AE-098B-4343-B3DA-CFB4F351FCED}" type="datetime1">
               <a:rPr lang="zh-TW" altLang="en-US" smtClean="0"/>
-              <a:t>2017/11/26</a:t>
+              <a:t>2017/11/27</a:t>
             </a:fld>
             <a:endParaRPr lang="zh-TW" altLang="en-US"/>
           </a:p>
@@ -3157,7 +3158,7 @@
           <a:p>
             <a:fld id="{A78D8308-BA06-4B5F-A8B0-E051330C43A9}" type="datetime1">
               <a:rPr lang="zh-TW" altLang="en-US" smtClean="0"/>
-              <a:t>2017/11/26</a:t>
+              <a:t>2017/11/27</a:t>
             </a:fld>
             <a:endParaRPr lang="zh-TW" altLang="en-US"/>
           </a:p>
@@ -3434,7 +3435,7 @@
           <a:p>
             <a:fld id="{FDD44F22-C951-4463-9C58-D4DD60DBA6F5}" type="datetime1">
               <a:rPr lang="zh-TW" altLang="en-US" smtClean="0"/>
-              <a:t>2017/11/26</a:t>
+              <a:t>2017/11/27</a:t>
             </a:fld>
             <a:endParaRPr lang="zh-TW" altLang="en-US"/>
           </a:p>
@@ -3687,7 +3688,7 @@
           <a:p>
             <a:fld id="{C00E1189-4DED-42F0-9FEF-D99B8BD1450E}" type="datetime1">
               <a:rPr lang="zh-TW" altLang="en-US" smtClean="0"/>
-              <a:t>2017/11/26</a:t>
+              <a:t>2017/11/27</a:t>
             </a:fld>
             <a:endParaRPr lang="zh-TW" altLang="en-US"/>
           </a:p>
@@ -3900,7 +3901,7 @@
           <a:p>
             <a:fld id="{D15E9A3A-8120-4DB8-99B2-2A8711574E35}" type="datetime1">
               <a:rPr lang="zh-TW" altLang="en-US" smtClean="0"/>
-              <a:t>2017/11/26</a:t>
+              <a:t>2017/11/27</a:t>
             </a:fld>
             <a:endParaRPr lang="zh-TW" altLang="en-US"/>
           </a:p>
@@ -7607,6 +7608,149 @@
       </p:grpSpPr>
       <p:sp>
         <p:nvSpPr>
+          <p:cNvPr id="3" name="投影片編號版面配置區 2"/>
+          <p:cNvSpPr>
+            <a:spLocks noGrp="1"/>
+          </p:cNvSpPr>
+          <p:nvPr>
+            <p:ph type="sldNum" sz="quarter" idx="12"/>
+          </p:nvPr>
+        </p:nvSpPr>
+        <p:spPr/>
+        <p:txBody>
+          <a:bodyPr/>
+          <a:lstStyle/>
+          <a:p>
+            <a:fld id="{458270D0-B830-4E87-A9C7-B662AFD560B4}" type="slidenum">
+              <a:rPr lang="zh-TW" altLang="en-US" smtClean="0"/>
+              <a:t>14</a:t>
+            </a:fld>
+            <a:endParaRPr lang="zh-TW" altLang="en-US"/>
+          </a:p>
+        </p:txBody>
+      </p:sp>
+      <p:pic>
+        <p:nvPicPr>
+          <p:cNvPr id="4" name="圖片 3"/>
+          <p:cNvPicPr>
+            <a:picLocks noChangeAspect="1"/>
+          </p:cNvPicPr>
+          <p:nvPr/>
+        </p:nvPicPr>
+        <p:blipFill>
+          <a:blip r:embed="rId2" cstate="print">
+            <a:extLst>
+              <a:ext uri="{28A0092B-C50C-407E-A947-70E740481C1C}">
+                <a14:useLocalDpi xmlns:a14="http://schemas.microsoft.com/office/drawing/2010/main" val="0"/>
+              </a:ext>
+            </a:extLst>
+          </a:blip>
+          <a:stretch>
+            <a:fillRect/>
+          </a:stretch>
+        </p:blipFill>
+        <p:spPr>
+          <a:xfrm>
+            <a:off x="5595541" y="195486"/>
+            <a:ext cx="2648867" cy="4711452"/>
+          </a:xfrm>
+          <a:prstGeom prst="rect">
+            <a:avLst/>
+          </a:prstGeom>
+        </p:spPr>
+      </p:pic>
+      <p:pic>
+        <p:nvPicPr>
+          <p:cNvPr id="5" name="圖片 4"/>
+          <p:cNvPicPr>
+            <a:picLocks noChangeAspect="1"/>
+          </p:cNvPicPr>
+          <p:nvPr/>
+        </p:nvPicPr>
+        <p:blipFill>
+          <a:blip r:embed="rId3" cstate="print">
+            <a:extLst>
+              <a:ext uri="{28A0092B-C50C-407E-A947-70E740481C1C}">
+                <a14:useLocalDpi xmlns:a14="http://schemas.microsoft.com/office/drawing/2010/main" val="0"/>
+              </a:ext>
+            </a:extLst>
+          </a:blip>
+          <a:stretch>
+            <a:fillRect/>
+          </a:stretch>
+        </p:blipFill>
+        <p:spPr>
+          <a:xfrm>
+            <a:off x="2654666" y="195486"/>
+            <a:ext cx="2648867" cy="4711452"/>
+          </a:xfrm>
+          <a:prstGeom prst="rect">
+            <a:avLst/>
+          </a:prstGeom>
+        </p:spPr>
+      </p:pic>
+      <p:pic>
+        <p:nvPicPr>
+          <p:cNvPr id="6" name="圖片 5"/>
+          <p:cNvPicPr>
+            <a:picLocks noChangeAspect="1"/>
+          </p:cNvPicPr>
+          <p:nvPr/>
+        </p:nvPicPr>
+        <p:blipFill>
+          <a:blip r:embed="rId4">
+            <a:extLst>
+              <a:ext uri="{28A0092B-C50C-407E-A947-70E740481C1C}">
+                <a14:useLocalDpi xmlns:a14="http://schemas.microsoft.com/office/drawing/2010/main" val="0"/>
+              </a:ext>
+            </a:extLst>
+          </a:blip>
+          <a:stretch>
+            <a:fillRect/>
+          </a:stretch>
+        </p:blipFill>
+        <p:spPr>
+          <a:xfrm>
+            <a:off x="710450" y="2859782"/>
+            <a:ext cx="2137181" cy="2137181"/>
+          </a:xfrm>
+          <a:prstGeom prst="rect">
+            <a:avLst/>
+          </a:prstGeom>
+        </p:spPr>
+      </p:pic>
+    </p:spTree>
+    <p:extLst>
+      <p:ext uri="{BB962C8B-B14F-4D97-AF65-F5344CB8AC3E}">
+        <p14:creationId xmlns:p14="http://schemas.microsoft.com/office/powerpoint/2010/main" val="2974244934"/>
+      </p:ext>
+    </p:extLst>
+  </p:cSld>
+  <p:clrMapOvr>
+    <a:masterClrMapping/>
+  </p:clrMapOvr>
+</p:sld>
+</file>
+
+<file path=ppt/slides/slide15.xml><?xml version="1.0" encoding="utf-8"?>
+<p:sld xmlns:a="http://schemas.openxmlformats.org/drawingml/2006/main" xmlns:r="http://schemas.openxmlformats.org/officeDocument/2006/relationships" xmlns:p="http://schemas.openxmlformats.org/presentationml/2006/main">
+  <p:cSld>
+    <p:spTree>
+      <p:nvGrpSpPr>
+        <p:cNvPr id="1" name=""/>
+        <p:cNvGrpSpPr/>
+        <p:nvPr/>
+      </p:nvGrpSpPr>
+      <p:grpSpPr>
+        <a:xfrm>
+          <a:off x="0" y="0"/>
+          <a:ext cx="0" cy="0"/>
+          <a:chOff x="0" y="0"/>
+          <a:chExt cx="0" cy="0"/>
+        </a:xfrm>
+      </p:grpSpPr>
+      <p:sp>
+        <p:nvSpPr>
           <p:cNvPr id="2" name="標題 1"/>
           <p:cNvSpPr>
             <a:spLocks noGrp="1"/>
@@ -7645,7 +7789,7 @@
           <a:p>
             <a:fld id="{458270D0-B830-4E87-A9C7-B662AFD560B4}" type="slidenum">
               <a:rPr lang="zh-TW" altLang="en-US" smtClean="0"/>
-              <a:t>14</a:t>
+              <a:t>15</a:t>
             </a:fld>
             <a:endParaRPr lang="zh-TW" altLang="en-US"/>
           </a:p>
@@ -7735,7 +7879,7 @@
 </p:sld>
 </file>
 
-<file path=ppt/slides/slide15.xml><?xml version="1.0" encoding="utf-8"?>
+<file path=ppt/slides/slide16.xml><?xml version="1.0" encoding="utf-8"?>
 <p:sld xmlns:a="http://schemas.openxmlformats.org/drawingml/2006/main" xmlns:r="http://schemas.openxmlformats.org/officeDocument/2006/relationships" xmlns:p="http://schemas.openxmlformats.org/presentationml/2006/main">
   <p:cSld>
     <p:spTree>
@@ -8131,14 +8275,7 @@
                 <a:latin typeface="微軟正黑體" pitchFamily="34" charset="-120"/>
                 <a:ea typeface="微軟正黑體" pitchFamily="34" charset="-120"/>
               </a:rPr>
-              <a:t>新竹市醫療機構牙醫診所</a:t>
-            </a:r>
-            <a:r>
-              <a:rPr lang="zh-TW" altLang="en-US" sz="2000" dirty="0" smtClean="0">
-                <a:latin typeface="微軟正黑體" pitchFamily="34" charset="-120"/>
-                <a:ea typeface="微軟正黑體" pitchFamily="34" charset="-120"/>
-              </a:rPr>
-              <a:t>名冊</a:t>
+              <a:t>新竹市醫療機構牙醫診所名冊</a:t>
             </a:r>
             <a:endParaRPr lang="en-US" altLang="zh-TW" sz="2000" dirty="0" smtClean="0">
               <a:latin typeface="微軟正黑體" pitchFamily="34" charset="-120"/>
